--- a/Paradigmas de linguagens de programação/seminário paradigmas/Apresentação1.pptx
+++ b/Paradigmas de linguagens de programação/seminário paradigmas/Apresentação1.pptx
@@ -9,16 +9,21 @@
     <p:sldId id="273" r:id="rId3"/>
     <p:sldId id="257" r:id="rId4"/>
     <p:sldId id="258" r:id="rId5"/>
-    <p:sldId id="265" r:id="rId6"/>
-    <p:sldId id="268" r:id="rId7"/>
-    <p:sldId id="260" r:id="rId8"/>
-    <p:sldId id="263" r:id="rId9"/>
-    <p:sldId id="264" r:id="rId10"/>
-    <p:sldId id="262" r:id="rId11"/>
-    <p:sldId id="271" r:id="rId12"/>
-    <p:sldId id="272" r:id="rId13"/>
-    <p:sldId id="266" r:id="rId14"/>
-    <p:sldId id="274" r:id="rId15"/>
+    <p:sldId id="275" r:id="rId6"/>
+    <p:sldId id="265" r:id="rId7"/>
+    <p:sldId id="268" r:id="rId8"/>
+    <p:sldId id="277" r:id="rId9"/>
+    <p:sldId id="263" r:id="rId10"/>
+    <p:sldId id="264" r:id="rId11"/>
+    <p:sldId id="262" r:id="rId12"/>
+    <p:sldId id="271" r:id="rId13"/>
+    <p:sldId id="272" r:id="rId14"/>
+    <p:sldId id="278" r:id="rId15"/>
+    <p:sldId id="279" r:id="rId16"/>
+    <p:sldId id="280" r:id="rId17"/>
+    <p:sldId id="266" r:id="rId18"/>
+    <p:sldId id="274" r:id="rId19"/>
+    <p:sldId id="281" r:id="rId20"/>
   </p:sldIdLst>
   <p:sldSz cx="12192000" cy="6858000"/>
   <p:notesSz cx="6858000" cy="9144000"/>
@@ -264,7 +269,7 @@
           <a:p>
             <a:fld id="{48A87A34-81AB-432B-8DAE-1953F412C126}" type="datetimeFigureOut">
               <a:rPr lang="en-US" dirty="0"/>
-              <a:t>2/12/2019</a:t>
+              <a:t>2/21/2019</a:t>
             </a:fld>
             <a:endParaRPr lang="en-US" dirty="0"/>
           </a:p>
@@ -470,7 +475,7 @@
           <a:p>
             <a:fld id="{48A87A34-81AB-432B-8DAE-1953F412C126}" type="datetimeFigureOut">
               <a:rPr lang="en-US" dirty="0"/>
-              <a:t>2/12/2019</a:t>
+              <a:t>2/21/2019</a:t>
             </a:fld>
             <a:endParaRPr lang="en-US" dirty="0"/>
           </a:p>
@@ -680,7 +685,7 @@
           <a:p>
             <a:fld id="{48A87A34-81AB-432B-8DAE-1953F412C126}" type="datetimeFigureOut">
               <a:rPr lang="en-US" dirty="0"/>
-              <a:t>2/12/2019</a:t>
+              <a:t>2/21/2019</a:t>
             </a:fld>
             <a:endParaRPr lang="en-US" dirty="0"/>
           </a:p>
@@ -876,7 +881,7 @@
           <a:p>
             <a:fld id="{48A87A34-81AB-432B-8DAE-1953F412C126}" type="datetimeFigureOut">
               <a:rPr lang="en-US" dirty="0"/>
-              <a:t>2/12/2019</a:t>
+              <a:t>2/21/2019</a:t>
             </a:fld>
             <a:endParaRPr lang="en-US" dirty="0"/>
           </a:p>
@@ -1150,7 +1155,7 @@
           <a:p>
             <a:fld id="{48A87A34-81AB-432B-8DAE-1953F412C126}" type="datetimeFigureOut">
               <a:rPr lang="en-US" dirty="0"/>
-              <a:t>2/12/2019</a:t>
+              <a:t>2/21/2019</a:t>
             </a:fld>
             <a:endParaRPr lang="en-US" dirty="0"/>
           </a:p>
@@ -1413,7 +1418,7 @@
           <a:p>
             <a:fld id="{48A87A34-81AB-432B-8DAE-1953F412C126}" type="datetimeFigureOut">
               <a:rPr lang="en-US" dirty="0"/>
-              <a:t>2/12/2019</a:t>
+              <a:t>2/21/2019</a:t>
             </a:fld>
             <a:endParaRPr lang="en-US" dirty="0"/>
           </a:p>
@@ -1824,7 +1829,7 @@
           <a:p>
             <a:fld id="{48A87A34-81AB-432B-8DAE-1953F412C126}" type="datetimeFigureOut">
               <a:rPr lang="en-US" dirty="0"/>
-              <a:t>2/12/2019</a:t>
+              <a:t>2/21/2019</a:t>
             </a:fld>
             <a:endParaRPr lang="en-US" dirty="0"/>
           </a:p>
@@ -1968,7 +1973,7 @@
           <a:p>
             <a:fld id="{48A87A34-81AB-432B-8DAE-1953F412C126}" type="datetimeFigureOut">
               <a:rPr lang="en-US" dirty="0"/>
-              <a:t>2/12/2019</a:t>
+              <a:t>2/21/2019</a:t>
             </a:fld>
             <a:endParaRPr lang="en-US" dirty="0"/>
           </a:p>
@@ -2089,7 +2094,7 @@
           <a:p>
             <a:fld id="{48A87A34-81AB-432B-8DAE-1953F412C126}" type="datetimeFigureOut">
               <a:rPr lang="en-US" dirty="0"/>
-              <a:t>2/12/2019</a:t>
+              <a:t>2/21/2019</a:t>
             </a:fld>
             <a:endParaRPr lang="en-US" dirty="0"/>
           </a:p>
@@ -2335,7 +2340,7 @@
           <a:p>
             <a:fld id="{48A87A34-81AB-432B-8DAE-1953F412C126}" type="datetimeFigureOut">
               <a:rPr lang="en-US" dirty="0"/>
-              <a:t>2/12/2019</a:t>
+              <a:t>2/21/2019</a:t>
             </a:fld>
             <a:endParaRPr lang="en-US" dirty="0"/>
           </a:p>
@@ -2776,7 +2781,7 @@
             <a:fld id="{48A87A34-81AB-432B-8DAE-1953F412C126}" type="datetimeFigureOut">
               <a:rPr lang="en-US" dirty="0"/>
               <a:pPr/>
-              <a:t>2/12/2019</a:t>
+              <a:t>2/21/2019</a:t>
             </a:fld>
             <a:endParaRPr lang="en-US" dirty="0"/>
           </a:p>
@@ -3098,7 +3103,7 @@
             <a:fld id="{48A87A34-81AB-432B-8DAE-1953F412C126}" type="datetimeFigureOut">
               <a:rPr lang="en-US" dirty="0"/>
               <a:pPr/>
-              <a:t>2/12/2019</a:t>
+              <a:t>2/21/2019</a:t>
             </a:fld>
             <a:endParaRPr lang="en-US" dirty="0"/>
           </a:p>
@@ -4007,7 +4012,7 @@
           <a:p>
             <a:r>
               <a:rPr lang="pt-BR" dirty="0"/>
-              <a:t>Javascript Funcional</a:t>
+              <a:t>Javascript imperativo</a:t>
             </a:r>
           </a:p>
         </p:txBody>
@@ -4029,45 +4034,33 @@
           </a:bodyPr>
           <a:lstStyle/>
           <a:p>
-            <a:pPr marL="0" indent="0">
-              <a:buNone/>
-            </a:pPr>
-            <a:r>
-              <a:rPr lang="pt-BR" sz="2400" dirty="0"/>
-              <a:t>Possui suporte à programação funcional e conta com funções de alta ordem, indisponíveis em linguagens como Java e C++:</a:t>
-            </a:r>
-          </a:p>
-          <a:p>
-            <a:r>
-              <a:rPr lang="en-US" sz="2400" dirty="0"/>
-              <a:t>Currying</a:t>
-            </a:r>
-          </a:p>
-          <a:p>
-            <a:r>
-              <a:rPr lang="en-US" sz="2400" dirty="0"/>
-              <a:t>Hight order functions</a:t>
-            </a:r>
-          </a:p>
-          <a:p>
-            <a:r>
-              <a:rPr lang="en-US" sz="2400" dirty="0"/>
-              <a:t>Filter, Map, Reduce, Some, Every</a:t>
-            </a:r>
-          </a:p>
-          <a:p>
-            <a:r>
-              <a:rPr lang="en-US" sz="2400" dirty="0"/>
-              <a:t>Compose</a:t>
-            </a:r>
-            <a:endParaRPr lang="pt-BR" sz="2400" dirty="0"/>
+            <a:r>
+              <a:rPr lang="pt-BR" sz="3000" dirty="0"/>
+              <a:t>Programação Estruturada</a:t>
+            </a:r>
+          </a:p>
+          <a:p>
+            <a:r>
+              <a:rPr lang="pt-BR" sz="3000" dirty="0"/>
+              <a:t>Programação baseada em objetos </a:t>
+            </a:r>
+            <a:r>
+              <a:rPr lang="pt-BR" sz="3000" dirty="0">
+                <a:sym typeface="Wingdings" panose="05000000000000000000" pitchFamily="2" charset="2"/>
+              </a:rPr>
+              <a:t>(</a:t>
+            </a:r>
+            <a:r>
+              <a:rPr lang="pt-BR" sz="3000" dirty="0"/>
+              <a:t>A linguagem suporta o conceito de objetos, porém não suporta classes). </a:t>
+            </a:r>
           </a:p>
         </p:txBody>
       </p:sp>
     </p:spTree>
     <p:extLst>
       <p:ext uri="{BB962C8B-B14F-4D97-AF65-F5344CB8AC3E}">
-        <p14:creationId xmlns:p14="http://schemas.microsoft.com/office/powerpoint/2010/main" val="1253463140"/>
+        <p14:creationId xmlns:p14="http://schemas.microsoft.com/office/powerpoint/2010/main" val="2142476656"/>
       </p:ext>
     </p:extLst>
   </p:cSld>
@@ -4096,6 +4089,103 @@
       </p:grpSpPr>
       <p:sp>
         <p:nvSpPr>
+          <p:cNvPr id="2" name="Título 1"/>
+          <p:cNvSpPr>
+            <a:spLocks noGrp="1"/>
+          </p:cNvSpPr>
+          <p:nvPr>
+            <p:ph type="title"/>
+          </p:nvPr>
+        </p:nvSpPr>
+        <p:spPr/>
+        <p:txBody>
+          <a:bodyPr/>
+          <a:lstStyle/>
+          <a:p>
+            <a:r>
+              <a:rPr lang="pt-BR" dirty="0"/>
+              <a:t>Javascript Funcional</a:t>
+            </a:r>
+          </a:p>
+        </p:txBody>
+      </p:sp>
+      <p:sp>
+        <p:nvSpPr>
+          <p:cNvPr id="3" name="Espaço Reservado para Conteúdo 2"/>
+          <p:cNvSpPr>
+            <a:spLocks noGrp="1"/>
+          </p:cNvSpPr>
+          <p:nvPr>
+            <p:ph idx="1"/>
+          </p:nvPr>
+        </p:nvSpPr>
+        <p:spPr/>
+        <p:txBody>
+          <a:bodyPr>
+            <a:noAutofit/>
+          </a:bodyPr>
+          <a:lstStyle/>
+          <a:p>
+            <a:pPr marL="0" indent="0">
+              <a:buNone/>
+            </a:pPr>
+            <a:r>
+              <a:rPr lang="pt-BR" sz="3000" dirty="0"/>
+              <a:t>Possui suporte à programação funcional e conta com funções de alta ordem, indisponíveis em linguagens como Java e C++:</a:t>
+            </a:r>
+          </a:p>
+          <a:p>
+            <a:r>
+              <a:rPr lang="en-US" sz="3000" dirty="0"/>
+              <a:t>Currying</a:t>
+            </a:r>
+          </a:p>
+          <a:p>
+            <a:r>
+              <a:rPr lang="en-US" sz="3000" dirty="0"/>
+              <a:t>High order functions</a:t>
+            </a:r>
+          </a:p>
+          <a:p>
+            <a:r>
+              <a:rPr lang="en-US" sz="3000" dirty="0"/>
+              <a:t>Filter, Map, Reduce, etc.</a:t>
+            </a:r>
+          </a:p>
+        </p:txBody>
+      </p:sp>
+    </p:spTree>
+    <p:extLst>
+      <p:ext uri="{BB962C8B-B14F-4D97-AF65-F5344CB8AC3E}">
+        <p14:creationId xmlns:p14="http://schemas.microsoft.com/office/powerpoint/2010/main" val="1253463140"/>
+      </p:ext>
+    </p:extLst>
+  </p:cSld>
+  <p:clrMapOvr>
+    <a:masterClrMapping/>
+  </p:clrMapOvr>
+</p:sld>
+</file>
+
+<file path=ppt/slides/slide12.xml><?xml version="1.0" encoding="utf-8"?>
+<p:sld xmlns:a="http://schemas.openxmlformats.org/drawingml/2006/main" xmlns:r="http://schemas.openxmlformats.org/officeDocument/2006/relationships" xmlns:p="http://schemas.openxmlformats.org/presentationml/2006/main">
+  <p:cSld>
+    <p:spTree>
+      <p:nvGrpSpPr>
+        <p:cNvPr id="1" name=""/>
+        <p:cNvGrpSpPr/>
+        <p:nvPr/>
+      </p:nvGrpSpPr>
+      <p:grpSpPr>
+        <a:xfrm>
+          <a:off x="0" y="0"/>
+          <a:ext cx="0" cy="0"/>
+          <a:chOff x="0" y="0"/>
+          <a:chExt cx="0" cy="0"/>
+        </a:xfrm>
+      </p:grpSpPr>
+      <p:sp>
+        <p:nvSpPr>
           <p:cNvPr id="2" name="Título 1">
             <a:extLst>
               <a:ext uri="{FF2B5EF4-FFF2-40B4-BE49-F238E27FC236}">
@@ -4174,8 +4264,8 @@
         </p:blipFill>
         <p:spPr>
           <a:xfrm>
-            <a:off x="1451579" y="4024017"/>
-            <a:ext cx="4647922" cy="1047750"/>
+            <a:off x="424057" y="3791438"/>
+            <a:ext cx="5327970" cy="1836885"/>
           </a:xfrm>
           <a:prstGeom prst="rect">
             <a:avLst/>
@@ -4204,53 +4294,14 @@
         </p:blipFill>
         <p:spPr>
           <a:xfrm>
-            <a:off x="7086593" y="4024017"/>
-            <a:ext cx="3653828" cy="1047750"/>
+            <a:off x="6185922" y="3865678"/>
+            <a:ext cx="5582021" cy="1600667"/>
           </a:xfrm>
           <a:prstGeom prst="rect">
             <a:avLst/>
           </a:prstGeom>
         </p:spPr>
       </p:pic>
-      <p:cxnSp>
-        <p:nvCxnSpPr>
-          <p:cNvPr id="7" name="Conector de Seta Reta 6">
-            <a:extLst>
-              <a:ext uri="{FF2B5EF4-FFF2-40B4-BE49-F238E27FC236}">
-                <a16:creationId xmlns:a16="http://schemas.microsoft.com/office/drawing/2014/main" id="{E7E6CFEC-6AB4-49ED-9F2C-6A6709979CF4}"/>
-              </a:ext>
-            </a:extLst>
-          </p:cNvPr>
-          <p:cNvCxnSpPr/>
-          <p:nvPr/>
-        </p:nvCxnSpPr>
-        <p:spPr>
-          <a:xfrm>
-            <a:off x="6221691" y="4553146"/>
-            <a:ext cx="763571" cy="0"/>
-          </a:xfrm>
-          <a:prstGeom prst="straightConnector1">
-            <a:avLst/>
-          </a:prstGeom>
-          <a:ln>
-            <a:tailEnd type="triangle"/>
-          </a:ln>
-        </p:spPr>
-        <p:style>
-          <a:lnRef idx="1">
-            <a:schemeClr val="accent1"/>
-          </a:lnRef>
-          <a:fillRef idx="0">
-            <a:schemeClr val="accent1"/>
-          </a:fillRef>
-          <a:effectRef idx="0">
-            <a:schemeClr val="accent1"/>
-          </a:effectRef>
-          <a:fontRef idx="minor">
-            <a:schemeClr val="tx1"/>
-          </a:fontRef>
-        </p:style>
-      </p:cxnSp>
       <p:sp>
         <p:nvSpPr>
           <p:cNvPr id="8" name="CaixaDeTexto 7">
@@ -4265,7 +4316,7 @@
         </p:nvSpPr>
         <p:spPr>
           <a:xfrm>
-            <a:off x="3091991" y="5071767"/>
+            <a:off x="2494674" y="5628323"/>
             <a:ext cx="1186735" cy="369332"/>
           </a:xfrm>
           <a:prstGeom prst="rect">
@@ -4304,7 +4355,7 @@
         </p:nvSpPr>
         <p:spPr>
           <a:xfrm>
-            <a:off x="8493551" y="5049079"/>
+            <a:off x="8442971" y="5466345"/>
             <a:ext cx="1067921" cy="369332"/>
           </a:xfrm>
           <a:prstGeom prst="rect">
@@ -4342,7 +4393,7 @@
 </p:sld>
 </file>
 
-<file path=ppt/slides/slide12.xml><?xml version="1.0" encoding="utf-8"?>
+<file path=ppt/slides/slide13.xml><?xml version="1.0" encoding="utf-8"?>
 <p:sld xmlns:a="http://schemas.openxmlformats.org/drawingml/2006/main" xmlns:r="http://schemas.openxmlformats.org/officeDocument/2006/relationships" xmlns:p="http://schemas.openxmlformats.org/presentationml/2006/main">
   <p:cSld>
     <p:bg>
@@ -4412,11 +4463,11 @@
           <a:lstStyle/>
           <a:p>
             <a:r>
-              <a:rPr lang="en-US"/>
-              <a:t>Hight order functions</a:t>
+              <a:rPr lang="en-US" dirty="0"/>
+              <a:t>High order functions</a:t>
             </a:r>
             <a:br>
-              <a:rPr lang="en-US"/>
+              <a:rPr lang="en-US" dirty="0"/>
             </a:br>
             <a:endParaRPr lang="pt-BR" dirty="0"/>
           </a:p>
@@ -4446,7 +4497,7 @@
         </p:spPr>
         <p:txBody>
           <a:bodyPr tIns="0" bIns="0">
-            <a:normAutofit/>
+            <a:noAutofit/>
           </a:bodyPr>
           <a:lstStyle/>
           <a:p>
@@ -4454,8 +4505,8 @@
               <a:buNone/>
             </a:pPr>
             <a:r>
-              <a:rPr lang="pt-BR" sz="2400" dirty="0"/>
-              <a:t>Hight order function nada mais é do que uma função que aceita como parâmetros outra função e a processa antes de retornar seu valor, que por sua vez, também pode ser outra função.</a:t>
+              <a:rPr lang="pt-BR" sz="2700" dirty="0"/>
+              <a:t>High order function nada mais é do que uma função que aceita como parâmetros outra função e a processa antes de retornar seu valor, que por sua vez, também pode ser outra função.</a:t>
             </a:r>
           </a:p>
         </p:txBody>
@@ -4482,8 +4533,8 @@
         </p:blipFill>
         <p:spPr>
           <a:xfrm>
-            <a:off x="6094411" y="2770189"/>
-            <a:ext cx="4960443" cy="1941702"/>
+            <a:off x="5685709" y="2015734"/>
+            <a:ext cx="6012955" cy="3808133"/>
           </a:xfrm>
           <a:prstGeom prst="rect">
             <a:avLst/>
@@ -4503,7 +4554,185 @@
 </p:sld>
 </file>
 
-<file path=ppt/slides/slide13.xml><?xml version="1.0" encoding="utf-8"?>
+<file path=ppt/slides/slide14.xml><?xml version="1.0" encoding="utf-8"?>
+<p:sld xmlns:a="http://schemas.openxmlformats.org/drawingml/2006/main" xmlns:r="http://schemas.openxmlformats.org/officeDocument/2006/relationships" xmlns:p="http://schemas.openxmlformats.org/presentationml/2006/main">
+  <p:cSld>
+    <p:bg>
+      <p:bgPr>
+        <a:gradFill rotWithShape="1">
+          <a:gsLst>
+            <a:gs pos="0">
+              <a:schemeClr val="bg2">
+                <a:tint val="94000"/>
+                <a:satMod val="80000"/>
+                <a:lumMod val="106000"/>
+              </a:schemeClr>
+            </a:gs>
+            <a:gs pos="100000">
+              <a:schemeClr val="bg2">
+                <a:shade val="80000"/>
+              </a:schemeClr>
+            </a:gs>
+          </a:gsLst>
+          <a:path path="circle">
+            <a:fillToRect l="43000" r="43000" b="100000"/>
+          </a:path>
+        </a:gradFill>
+        <a:effectLst/>
+      </p:bgPr>
+    </p:bg>
+    <p:spTree>
+      <p:nvGrpSpPr>
+        <p:cNvPr id="1" name=""/>
+        <p:cNvGrpSpPr/>
+        <p:nvPr/>
+      </p:nvGrpSpPr>
+      <p:grpSpPr>
+        <a:xfrm>
+          <a:off x="0" y="0"/>
+          <a:ext cx="0" cy="0"/>
+          <a:chOff x="0" y="0"/>
+          <a:chExt cx="0" cy="0"/>
+        </a:xfrm>
+      </p:grpSpPr>
+      <p:sp>
+        <p:nvSpPr>
+          <p:cNvPr id="2" name="Título 1">
+            <a:extLst>
+              <a:ext uri="{FF2B5EF4-FFF2-40B4-BE49-F238E27FC236}">
+                <a16:creationId xmlns:a16="http://schemas.microsoft.com/office/drawing/2014/main" id="{885226BE-7EE1-4D7B-9389-8F5A98ABD179}"/>
+              </a:ext>
+            </a:extLst>
+          </p:cNvPr>
+          <p:cNvSpPr>
+            <a:spLocks noGrp="1"/>
+          </p:cNvSpPr>
+          <p:nvPr>
+            <p:ph type="title"/>
+          </p:nvPr>
+        </p:nvSpPr>
+        <p:spPr>
+          <a:xfrm>
+            <a:off x="1451579" y="804519"/>
+            <a:ext cx="9603275" cy="1049235"/>
+          </a:xfrm>
+        </p:spPr>
+        <p:txBody>
+          <a:bodyPr>
+            <a:normAutofit/>
+          </a:bodyPr>
+          <a:lstStyle/>
+          <a:p>
+            <a:r>
+              <a:rPr lang="pt-BR" dirty="0" err="1"/>
+              <a:t>Filter</a:t>
+            </a:r>
+            <a:endParaRPr lang="pt-BR" dirty="0"/>
+          </a:p>
+        </p:txBody>
+      </p:sp>
+      <p:sp>
+        <p:nvSpPr>
+          <p:cNvPr id="3" name="Espaço Reservado para Conteúdo 2">
+            <a:extLst>
+              <a:ext uri="{FF2B5EF4-FFF2-40B4-BE49-F238E27FC236}">
+                <a16:creationId xmlns:a16="http://schemas.microsoft.com/office/drawing/2014/main" id="{139BBAFD-2D29-4D82-A1B5-7DE8C27397AF}"/>
+              </a:ext>
+            </a:extLst>
+          </p:cNvPr>
+          <p:cNvSpPr>
+            <a:spLocks noGrp="1"/>
+          </p:cNvSpPr>
+          <p:nvPr>
+            <p:ph idx="1"/>
+          </p:nvPr>
+        </p:nvSpPr>
+        <p:spPr>
+          <a:xfrm>
+            <a:off x="1347406" y="2015733"/>
+            <a:ext cx="4162555" cy="3450613"/>
+          </a:xfrm>
+        </p:spPr>
+        <p:txBody>
+          <a:bodyPr>
+            <a:normAutofit/>
+          </a:bodyPr>
+          <a:lstStyle/>
+          <a:p>
+            <a:pPr marL="0" indent="0">
+              <a:buNone/>
+            </a:pPr>
+            <a:r>
+              <a:rPr lang="en-US" sz="3000" dirty="0"/>
+              <a:t>O método </a:t>
+            </a:r>
+            <a:r>
+              <a:rPr lang="en-US" sz="3000" i="1" dirty="0"/>
+              <a:t>filter</a:t>
+            </a:r>
+            <a:r>
+              <a:rPr lang="en-US" sz="3000" dirty="0"/>
+              <a:t> cria um vetor com todos </a:t>
+            </a:r>
+            <a:r>
+              <a:rPr lang="en-US" sz="3000" dirty="0" err="1"/>
+              <a:t>os</a:t>
+            </a:r>
+            <a:r>
+              <a:rPr lang="en-US" sz="3000" dirty="0"/>
+              <a:t> elementos que passam por um teste (passado através de uma função).</a:t>
+            </a:r>
+            <a:endParaRPr lang="pt-BR" sz="3000" dirty="0"/>
+          </a:p>
+          <a:p>
+            <a:endParaRPr lang="pt-BR" dirty="0"/>
+          </a:p>
+        </p:txBody>
+      </p:sp>
+      <p:pic>
+        <p:nvPicPr>
+          <p:cNvPr id="4" name="Imagem 3">
+            <a:extLst>
+              <a:ext uri="{FF2B5EF4-FFF2-40B4-BE49-F238E27FC236}">
+                <a16:creationId xmlns:a16="http://schemas.microsoft.com/office/drawing/2014/main" id="{9FAA5DDC-AFE5-4F5E-A429-C16EE14F204A}"/>
+              </a:ext>
+            </a:extLst>
+          </p:cNvPr>
+          <p:cNvPicPr>
+            <a:picLocks noChangeAspect="1"/>
+          </p:cNvPicPr>
+          <p:nvPr/>
+        </p:nvPicPr>
+        <p:blipFill>
+          <a:blip r:embed="rId2"/>
+          <a:stretch>
+            <a:fillRect/>
+          </a:stretch>
+        </p:blipFill>
+        <p:spPr>
+          <a:xfrm>
+            <a:off x="5301205" y="2015733"/>
+            <a:ext cx="6677768" cy="3612593"/>
+          </a:xfrm>
+          <a:prstGeom prst="rect">
+            <a:avLst/>
+          </a:prstGeom>
+        </p:spPr>
+      </p:pic>
+    </p:spTree>
+    <p:extLst>
+      <p:ext uri="{BB962C8B-B14F-4D97-AF65-F5344CB8AC3E}">
+        <p14:creationId xmlns:p14="http://schemas.microsoft.com/office/powerpoint/2010/main" val="3012727344"/>
+      </p:ext>
+    </p:extLst>
+  </p:cSld>
+  <p:clrMapOvr>
+    <a:masterClrMapping/>
+  </p:clrMapOvr>
+</p:sld>
+</file>
+
+<file path=ppt/slides/slide15.xml><?xml version="1.0" encoding="utf-8"?>
 <p:sld xmlns:a="http://schemas.openxmlformats.org/drawingml/2006/main" xmlns:r="http://schemas.openxmlformats.org/officeDocument/2006/relationships" xmlns:p="http://schemas.openxmlformats.org/presentationml/2006/main">
   <p:cSld>
     <p:spTree>
@@ -4525,7 +4754,7 @@
           <p:cNvPr id="2" name="Título 1">
             <a:extLst>
               <a:ext uri="{FF2B5EF4-FFF2-40B4-BE49-F238E27FC236}">
-                <a16:creationId xmlns:a16="http://schemas.microsoft.com/office/drawing/2014/main" id="{0AF0EFA9-E858-4EFD-BF55-454903A527BA}"/>
+                <a16:creationId xmlns:a16="http://schemas.microsoft.com/office/drawing/2014/main" id="{7625883D-BCD6-452F-AF08-54356E09A558}"/>
               </a:ext>
             </a:extLst>
           </p:cNvPr>
@@ -4543,15 +4772,342 @@
           <a:p>
             <a:r>
               <a:rPr lang="pt-BR" dirty="0"/>
-              <a:t>   Exemplos de programação (no ambiente)</a:t>
-            </a:r>
-          </a:p>
-        </p:txBody>
-      </p:sp>
+              <a:t>map</a:t>
+            </a:r>
+          </a:p>
+        </p:txBody>
+      </p:sp>
+      <p:sp>
+        <p:nvSpPr>
+          <p:cNvPr id="3" name="Espaço Reservado para Conteúdo 2">
+            <a:extLst>
+              <a:ext uri="{FF2B5EF4-FFF2-40B4-BE49-F238E27FC236}">
+                <a16:creationId xmlns:a16="http://schemas.microsoft.com/office/drawing/2014/main" id="{ACB95F00-46E7-4BDF-9632-0F4F425528FD}"/>
+              </a:ext>
+            </a:extLst>
+          </p:cNvPr>
+          <p:cNvSpPr>
+            <a:spLocks noGrp="1"/>
+          </p:cNvSpPr>
+          <p:nvPr>
+            <p:ph idx="1"/>
+          </p:nvPr>
+        </p:nvSpPr>
+        <p:spPr>
+          <a:xfrm>
+            <a:off x="254375" y="1940317"/>
+            <a:ext cx="9888866" cy="4037749"/>
+          </a:xfrm>
+        </p:spPr>
+        <p:txBody>
+          <a:bodyPr>
+            <a:normAutofit/>
+          </a:bodyPr>
+          <a:lstStyle/>
+          <a:p>
+            <a:pPr marL="0" lvl="0" indent="0" eaLnBrk="0" fontAlgn="base" hangingPunct="0">
+              <a:lnSpc>
+                <a:spcPct val="100000"/>
+              </a:lnSpc>
+              <a:spcBef>
+                <a:spcPct val="0"/>
+              </a:spcBef>
+              <a:spcAft>
+                <a:spcPct val="0"/>
+              </a:spcAft>
+              <a:buClrTx/>
+              <a:buSzTx/>
+              <a:buNone/>
+            </a:pPr>
+            <a:r>
+              <a:rPr lang="pt-BR" altLang="pt-BR" sz="2500" dirty="0">
+                <a:solidFill>
+                  <a:srgbClr val="363636"/>
+                </a:solidFill>
+              </a:rPr>
+              <a:t>Percorre o array da esquerda </a:t>
+            </a:r>
+          </a:p>
+          <a:p>
+            <a:pPr marL="0" lvl="0" indent="0" eaLnBrk="0" fontAlgn="base" hangingPunct="0">
+              <a:lnSpc>
+                <a:spcPct val="100000"/>
+              </a:lnSpc>
+              <a:spcBef>
+                <a:spcPct val="0"/>
+              </a:spcBef>
+              <a:spcAft>
+                <a:spcPct val="0"/>
+              </a:spcAft>
+              <a:buClrTx/>
+              <a:buSzTx/>
+              <a:buNone/>
+            </a:pPr>
+            <a:r>
+              <a:rPr lang="pt-BR" altLang="pt-BR" sz="2500" dirty="0">
+                <a:solidFill>
+                  <a:srgbClr val="363636"/>
+                </a:solidFill>
+              </a:rPr>
+              <a:t>para a direita invocando uma </a:t>
+            </a:r>
+          </a:p>
+          <a:p>
+            <a:pPr marL="0" lvl="0" indent="0" eaLnBrk="0" fontAlgn="base" hangingPunct="0">
+              <a:lnSpc>
+                <a:spcPct val="100000"/>
+              </a:lnSpc>
+              <a:spcBef>
+                <a:spcPct val="0"/>
+              </a:spcBef>
+              <a:spcAft>
+                <a:spcPct val="0"/>
+              </a:spcAft>
+              <a:buClrTx/>
+              <a:buSzTx/>
+              <a:buNone/>
+            </a:pPr>
+            <a:r>
+              <a:rPr lang="pt-BR" altLang="pt-BR" sz="2500" dirty="0">
+                <a:solidFill>
+                  <a:srgbClr val="363636"/>
+                </a:solidFill>
+              </a:rPr>
+              <a:t>função de retorno em cada </a:t>
+            </a:r>
+          </a:p>
+          <a:p>
+            <a:pPr marL="0" lvl="0" indent="0" eaLnBrk="0" fontAlgn="base" hangingPunct="0">
+              <a:lnSpc>
+                <a:spcPct val="100000"/>
+              </a:lnSpc>
+              <a:spcBef>
+                <a:spcPct val="0"/>
+              </a:spcBef>
+              <a:spcAft>
+                <a:spcPct val="0"/>
+              </a:spcAft>
+              <a:buClrTx/>
+              <a:buSzTx/>
+              <a:buNone/>
+            </a:pPr>
+            <a:r>
+              <a:rPr lang="pt-BR" altLang="pt-BR" sz="2500" dirty="0">
+                <a:solidFill>
+                  <a:srgbClr val="363636"/>
+                </a:solidFill>
+              </a:rPr>
+              <a:t>elemento com parâmetros. </a:t>
+            </a:r>
+          </a:p>
+          <a:p>
+            <a:pPr marL="0" lvl="0" indent="0" eaLnBrk="0" fontAlgn="base" hangingPunct="0">
+              <a:lnSpc>
+                <a:spcPct val="100000"/>
+              </a:lnSpc>
+              <a:spcBef>
+                <a:spcPct val="0"/>
+              </a:spcBef>
+              <a:spcAft>
+                <a:spcPct val="0"/>
+              </a:spcAft>
+              <a:buClrTx/>
+              <a:buSzTx/>
+              <a:buNone/>
+            </a:pPr>
+            <a:r>
+              <a:rPr lang="pt-BR" altLang="pt-BR" sz="2500" dirty="0">
+                <a:solidFill>
+                  <a:srgbClr val="363636"/>
+                </a:solidFill>
+              </a:rPr>
+              <a:t>Para cada chamada de retorno, </a:t>
+            </a:r>
+          </a:p>
+          <a:p>
+            <a:pPr marL="0" lvl="0" indent="0" eaLnBrk="0" fontAlgn="base" hangingPunct="0">
+              <a:lnSpc>
+                <a:spcPct val="100000"/>
+              </a:lnSpc>
+              <a:spcBef>
+                <a:spcPct val="0"/>
+              </a:spcBef>
+              <a:spcAft>
+                <a:spcPct val="0"/>
+              </a:spcAft>
+              <a:buClrTx/>
+              <a:buSzTx/>
+              <a:buNone/>
+            </a:pPr>
+            <a:r>
+              <a:rPr lang="pt-BR" altLang="pt-BR" sz="2500" dirty="0">
+                <a:solidFill>
+                  <a:srgbClr val="363636"/>
+                </a:solidFill>
+              </a:rPr>
+              <a:t>o valor devolvido se torna </a:t>
+            </a:r>
+          </a:p>
+          <a:p>
+            <a:pPr marL="0" lvl="0" indent="0" eaLnBrk="0" fontAlgn="base" hangingPunct="0">
+              <a:lnSpc>
+                <a:spcPct val="100000"/>
+              </a:lnSpc>
+              <a:spcBef>
+                <a:spcPct val="0"/>
+              </a:spcBef>
+              <a:spcAft>
+                <a:spcPct val="0"/>
+              </a:spcAft>
+              <a:buClrTx/>
+              <a:buSzTx/>
+              <a:buNone/>
+            </a:pPr>
+            <a:r>
+              <a:rPr lang="pt-BR" altLang="pt-BR" sz="2500" dirty="0">
+                <a:solidFill>
+                  <a:srgbClr val="363636"/>
+                </a:solidFill>
+              </a:rPr>
+              <a:t>o elemento do novo array. </a:t>
+            </a:r>
+          </a:p>
+          <a:p>
+            <a:pPr marL="0" lvl="0" indent="0" eaLnBrk="0" fontAlgn="base" hangingPunct="0">
+              <a:lnSpc>
+                <a:spcPct val="100000"/>
+              </a:lnSpc>
+              <a:spcBef>
+                <a:spcPct val="0"/>
+              </a:spcBef>
+              <a:spcAft>
+                <a:spcPct val="0"/>
+              </a:spcAft>
+              <a:buClrTx/>
+              <a:buSzTx/>
+              <a:buNone/>
+            </a:pPr>
+            <a:r>
+              <a:rPr lang="pt-BR" altLang="pt-BR" sz="2500" dirty="0">
+                <a:solidFill>
+                  <a:srgbClr val="363636"/>
+                </a:solidFill>
+              </a:rPr>
+              <a:t>Depois que todos os elementos </a:t>
+            </a:r>
+          </a:p>
+          <a:p>
+            <a:pPr marL="0" lvl="0" indent="0" eaLnBrk="0" fontAlgn="base" hangingPunct="0">
+              <a:lnSpc>
+                <a:spcPct val="100000"/>
+              </a:lnSpc>
+              <a:spcBef>
+                <a:spcPct val="0"/>
+              </a:spcBef>
+              <a:spcAft>
+                <a:spcPct val="0"/>
+              </a:spcAft>
+              <a:buClrTx/>
+              <a:buSzTx/>
+              <a:buNone/>
+            </a:pPr>
+            <a:r>
+              <a:rPr lang="pt-BR" altLang="pt-BR" sz="2500" dirty="0">
+                <a:solidFill>
+                  <a:srgbClr val="363636"/>
+                </a:solidFill>
+              </a:rPr>
+              <a:t>foram percorridos, </a:t>
+            </a:r>
+            <a:r>
+              <a:rPr lang="pt-BR" altLang="pt-BR" sz="2500" b="1" dirty="0">
+                <a:cs typeface="Courier New" panose="02070309020205020404" pitchFamily="49" charset="0"/>
+              </a:rPr>
+              <a:t>map()</a:t>
+            </a:r>
+            <a:r>
+              <a:rPr lang="pt-BR" altLang="pt-BR" sz="2500" b="1" dirty="0"/>
+              <a:t> </a:t>
+            </a:r>
+            <a:r>
+              <a:rPr lang="pt-BR" altLang="pt-BR" sz="2500" dirty="0">
+                <a:solidFill>
+                  <a:srgbClr val="363636"/>
+                </a:solidFill>
+              </a:rPr>
+              <a:t>retorna o novo array com </a:t>
+            </a:r>
+          </a:p>
+          <a:p>
+            <a:pPr marL="0" lvl="0" indent="0" eaLnBrk="0" fontAlgn="base" hangingPunct="0">
+              <a:lnSpc>
+                <a:spcPct val="100000"/>
+              </a:lnSpc>
+              <a:spcBef>
+                <a:spcPct val="0"/>
+              </a:spcBef>
+              <a:spcAft>
+                <a:spcPct val="0"/>
+              </a:spcAft>
+              <a:buClrTx/>
+              <a:buSzTx/>
+              <a:buNone/>
+            </a:pPr>
+            <a:r>
+              <a:rPr lang="pt-BR" altLang="pt-BR" sz="2500" dirty="0">
+                <a:solidFill>
+                  <a:srgbClr val="363636"/>
+                </a:solidFill>
+              </a:rPr>
+              <a:t>todos os elementos “traduzidos”.</a:t>
+            </a:r>
+            <a:r>
+              <a:rPr lang="pt-BR" altLang="pt-BR" sz="2500" dirty="0"/>
+              <a:t> </a:t>
+            </a:r>
+          </a:p>
+          <a:p>
+            <a:pPr marL="0" indent="0">
+              <a:buNone/>
+            </a:pPr>
+            <a:endParaRPr lang="pt-BR" dirty="0"/>
+          </a:p>
+        </p:txBody>
+      </p:sp>
+      <p:pic>
+        <p:nvPicPr>
+          <p:cNvPr id="4" name="Imagem 3">
+            <a:extLst>
+              <a:ext uri="{FF2B5EF4-FFF2-40B4-BE49-F238E27FC236}">
+                <a16:creationId xmlns:a16="http://schemas.microsoft.com/office/drawing/2014/main" id="{82B2C57F-5C93-4EA0-94D5-4BABFFBD9EB8}"/>
+              </a:ext>
+            </a:extLst>
+          </p:cNvPr>
+          <p:cNvPicPr>
+            <a:picLocks noChangeAspect="1"/>
+          </p:cNvPicPr>
+          <p:nvPr/>
+        </p:nvPicPr>
+        <p:blipFill>
+          <a:blip r:embed="rId2"/>
+          <a:stretch>
+            <a:fillRect/>
+          </a:stretch>
+        </p:blipFill>
+        <p:spPr>
+          <a:xfrm>
+            <a:off x="4811413" y="1962705"/>
+            <a:ext cx="6962665" cy="3992972"/>
+          </a:xfrm>
+          <a:prstGeom prst="rect">
+            <a:avLst/>
+          </a:prstGeom>
+        </p:spPr>
+      </p:pic>
     </p:spTree>
     <p:extLst>
       <p:ext uri="{BB962C8B-B14F-4D97-AF65-F5344CB8AC3E}">
-        <p14:creationId xmlns:p14="http://schemas.microsoft.com/office/powerpoint/2010/main" val="206795256"/>
+        <p14:creationId xmlns:p14="http://schemas.microsoft.com/office/powerpoint/2010/main" val="3213752749"/>
       </p:ext>
     </p:extLst>
   </p:cSld>
@@ -4561,7 +5117,7 @@
 </p:sld>
 </file>
 
-<file path=ppt/slides/slide14.xml><?xml version="1.0" encoding="utf-8"?>
+<file path=ppt/slides/slide16.xml><?xml version="1.0" encoding="utf-8"?>
 <p:sld xmlns:a="http://schemas.openxmlformats.org/drawingml/2006/main" xmlns:r="http://schemas.openxmlformats.org/officeDocument/2006/relationships" xmlns:p="http://schemas.openxmlformats.org/presentationml/2006/main">
   <p:cSld>
     <p:spTree>
@@ -4583,6 +5139,383 @@
           <p:cNvPr id="2" name="Título 1">
             <a:extLst>
               <a:ext uri="{FF2B5EF4-FFF2-40B4-BE49-F238E27FC236}">
+                <a16:creationId xmlns:a16="http://schemas.microsoft.com/office/drawing/2014/main" id="{2ECE91CB-5C5A-4291-9947-91762BB139EF}"/>
+              </a:ext>
+            </a:extLst>
+          </p:cNvPr>
+          <p:cNvSpPr>
+            <a:spLocks noGrp="1"/>
+          </p:cNvSpPr>
+          <p:nvPr>
+            <p:ph type="title"/>
+          </p:nvPr>
+        </p:nvSpPr>
+        <p:spPr/>
+        <p:txBody>
+          <a:bodyPr/>
+          <a:lstStyle/>
+          <a:p>
+            <a:r>
+              <a:rPr lang="pt-BR" dirty="0" err="1"/>
+              <a:t>reduce</a:t>
+            </a:r>
+            <a:endParaRPr lang="pt-BR" dirty="0"/>
+          </a:p>
+        </p:txBody>
+      </p:sp>
+      <p:sp>
+        <p:nvSpPr>
+          <p:cNvPr id="3" name="Espaço Reservado para Conteúdo 2">
+            <a:extLst>
+              <a:ext uri="{FF2B5EF4-FFF2-40B4-BE49-F238E27FC236}">
+                <a16:creationId xmlns:a16="http://schemas.microsoft.com/office/drawing/2014/main" id="{2D910DBE-2DEE-4078-89CB-69A01CA55260}"/>
+              </a:ext>
+            </a:extLst>
+          </p:cNvPr>
+          <p:cNvSpPr>
+            <a:spLocks noGrp="1"/>
+          </p:cNvSpPr>
+          <p:nvPr>
+            <p:ph idx="1"/>
+          </p:nvPr>
+        </p:nvSpPr>
+        <p:spPr>
+          <a:xfrm>
+            <a:off x="197814" y="1959171"/>
+            <a:ext cx="9603275" cy="3450613"/>
+          </a:xfrm>
+        </p:spPr>
+        <p:txBody>
+          <a:bodyPr/>
+          <a:lstStyle/>
+          <a:p>
+            <a:pPr eaLnBrk="0" fontAlgn="base" hangingPunct="0">
+              <a:lnSpc>
+                <a:spcPct val="100000"/>
+              </a:lnSpc>
+              <a:spcBef>
+                <a:spcPct val="0"/>
+              </a:spcBef>
+              <a:spcAft>
+                <a:spcPct val="0"/>
+              </a:spcAft>
+              <a:buClrTx/>
+              <a:buSzTx/>
+            </a:pPr>
+            <a:r>
+              <a:rPr lang="pt-BR" altLang="pt-BR" sz="3000" dirty="0">
+                <a:solidFill>
+                  <a:srgbClr val="363636"/>
+                </a:solidFill>
+              </a:rPr>
+              <a:t>O método </a:t>
+            </a:r>
+            <a:r>
+              <a:rPr lang="pt-BR" altLang="pt-BR" sz="3000" dirty="0" err="1">
+                <a:solidFill>
+                  <a:srgbClr val="363636"/>
+                </a:solidFill>
+              </a:rPr>
+              <a:t>Reduce</a:t>
+            </a:r>
+            <a:r>
+              <a:rPr lang="pt-BR" altLang="pt-BR" sz="3000" dirty="0">
+                <a:solidFill>
+                  <a:srgbClr val="363636"/>
+                </a:solidFill>
+              </a:rPr>
+              <a:t>() reduz o </a:t>
+            </a:r>
+          </a:p>
+          <a:p>
+            <a:pPr marL="0" lvl="0" indent="0" eaLnBrk="0" fontAlgn="base" hangingPunct="0">
+              <a:lnSpc>
+                <a:spcPct val="100000"/>
+              </a:lnSpc>
+              <a:spcBef>
+                <a:spcPct val="0"/>
+              </a:spcBef>
+              <a:spcAft>
+                <a:spcPct val="0"/>
+              </a:spcAft>
+              <a:buClrTx/>
+              <a:buSzTx/>
+              <a:buNone/>
+            </a:pPr>
+            <a:r>
+              <a:rPr lang="pt-BR" altLang="pt-BR" sz="3000" dirty="0">
+                <a:solidFill>
+                  <a:srgbClr val="363636"/>
+                </a:solidFill>
+              </a:rPr>
+              <a:t>vetor para um único valor;</a:t>
+            </a:r>
+          </a:p>
+          <a:p>
+            <a:pPr eaLnBrk="0" fontAlgn="base" hangingPunct="0">
+              <a:lnSpc>
+                <a:spcPct val="100000"/>
+              </a:lnSpc>
+              <a:spcBef>
+                <a:spcPct val="0"/>
+              </a:spcBef>
+              <a:spcAft>
+                <a:spcPct val="0"/>
+              </a:spcAft>
+              <a:buClrTx/>
+              <a:buSzTx/>
+            </a:pPr>
+            <a:r>
+              <a:rPr lang="pt-BR" altLang="pt-BR" sz="3000" dirty="0">
+                <a:solidFill>
+                  <a:srgbClr val="363636"/>
+                </a:solidFill>
+              </a:rPr>
+              <a:t>Executa uma função fornecida </a:t>
+            </a:r>
+          </a:p>
+          <a:p>
+            <a:pPr marL="0" lvl="0" indent="0" eaLnBrk="0" fontAlgn="base" hangingPunct="0">
+              <a:lnSpc>
+                <a:spcPct val="100000"/>
+              </a:lnSpc>
+              <a:spcBef>
+                <a:spcPct val="0"/>
+              </a:spcBef>
+              <a:spcAft>
+                <a:spcPct val="0"/>
+              </a:spcAft>
+              <a:buClrTx/>
+              <a:buSzTx/>
+              <a:buNone/>
+            </a:pPr>
+            <a:r>
+              <a:rPr lang="pt-BR" altLang="pt-BR" sz="3000" dirty="0">
+                <a:solidFill>
+                  <a:srgbClr val="363636"/>
+                </a:solidFill>
+              </a:rPr>
+              <a:t>para cada valor do </a:t>
+            </a:r>
+          </a:p>
+          <a:p>
+            <a:pPr marL="0" lvl="0" indent="0" eaLnBrk="0" fontAlgn="base" hangingPunct="0">
+              <a:lnSpc>
+                <a:spcPct val="100000"/>
+              </a:lnSpc>
+              <a:spcBef>
+                <a:spcPct val="0"/>
+              </a:spcBef>
+              <a:spcAft>
+                <a:spcPct val="0"/>
+              </a:spcAft>
+              <a:buClrTx/>
+              <a:buSzTx/>
+              <a:buNone/>
+            </a:pPr>
+            <a:r>
+              <a:rPr lang="pt-BR" altLang="pt-BR" sz="3000" dirty="0">
+                <a:solidFill>
+                  <a:srgbClr val="363636"/>
+                </a:solidFill>
+              </a:rPr>
+              <a:t>array (da esquerda para a direita);</a:t>
+            </a:r>
+          </a:p>
+          <a:p>
+            <a:pPr eaLnBrk="0" fontAlgn="base" hangingPunct="0">
+              <a:lnSpc>
+                <a:spcPct val="100000"/>
+              </a:lnSpc>
+              <a:spcBef>
+                <a:spcPct val="0"/>
+              </a:spcBef>
+              <a:spcAft>
+                <a:spcPct val="0"/>
+              </a:spcAft>
+              <a:buClrTx/>
+              <a:buSzTx/>
+            </a:pPr>
+            <a:r>
+              <a:rPr lang="pt-BR" altLang="pt-BR" sz="3000" dirty="0">
+                <a:solidFill>
+                  <a:srgbClr val="363636"/>
+                </a:solidFill>
+              </a:rPr>
+              <a:t>O valor de retorno da função </a:t>
+            </a:r>
+          </a:p>
+          <a:p>
+            <a:pPr marL="0" lvl="0" indent="0" eaLnBrk="0" fontAlgn="base" hangingPunct="0">
+              <a:lnSpc>
+                <a:spcPct val="100000"/>
+              </a:lnSpc>
+              <a:spcBef>
+                <a:spcPct val="0"/>
+              </a:spcBef>
+              <a:spcAft>
+                <a:spcPct val="0"/>
+              </a:spcAft>
+              <a:buClrTx/>
+              <a:buSzTx/>
+              <a:buNone/>
+            </a:pPr>
+            <a:r>
+              <a:rPr lang="pt-BR" altLang="pt-BR" sz="3000" dirty="0">
+                <a:solidFill>
+                  <a:srgbClr val="363636"/>
+                </a:solidFill>
+              </a:rPr>
+              <a:t>é guardado em um acumulador.</a:t>
+            </a:r>
+          </a:p>
+          <a:p>
+            <a:pPr marL="0" lvl="0" indent="0" eaLnBrk="0" fontAlgn="base" hangingPunct="0">
+              <a:lnSpc>
+                <a:spcPct val="100000"/>
+              </a:lnSpc>
+              <a:spcBef>
+                <a:spcPct val="0"/>
+              </a:spcBef>
+              <a:spcAft>
+                <a:spcPct val="0"/>
+              </a:spcAft>
+              <a:buClrTx/>
+              <a:buSzTx/>
+              <a:buNone/>
+            </a:pPr>
+            <a:endParaRPr lang="pt-BR" altLang="pt-BR" dirty="0">
+              <a:solidFill>
+                <a:srgbClr val="363636"/>
+              </a:solidFill>
+            </a:endParaRPr>
+          </a:p>
+        </p:txBody>
+      </p:sp>
+      <p:pic>
+        <p:nvPicPr>
+          <p:cNvPr id="4" name="Imagem 3">
+            <a:extLst>
+              <a:ext uri="{FF2B5EF4-FFF2-40B4-BE49-F238E27FC236}">
+                <a16:creationId xmlns:a16="http://schemas.microsoft.com/office/drawing/2014/main" id="{D30D644F-19C5-4B82-A5CF-DB4F6CA1A404}"/>
+              </a:ext>
+            </a:extLst>
+          </p:cNvPr>
+          <p:cNvPicPr>
+            <a:picLocks noChangeAspect="1"/>
+          </p:cNvPicPr>
+          <p:nvPr/>
+        </p:nvPicPr>
+        <p:blipFill>
+          <a:blip r:embed="rId2"/>
+          <a:stretch>
+            <a:fillRect/>
+          </a:stretch>
+        </p:blipFill>
+        <p:spPr>
+          <a:xfrm>
+            <a:off x="5651321" y="2017722"/>
+            <a:ext cx="6255943" cy="3497479"/>
+          </a:xfrm>
+          <a:prstGeom prst="rect">
+            <a:avLst/>
+          </a:prstGeom>
+        </p:spPr>
+      </p:pic>
+    </p:spTree>
+    <p:extLst>
+      <p:ext uri="{BB962C8B-B14F-4D97-AF65-F5344CB8AC3E}">
+        <p14:creationId xmlns:p14="http://schemas.microsoft.com/office/powerpoint/2010/main" val="599881220"/>
+      </p:ext>
+    </p:extLst>
+  </p:cSld>
+  <p:clrMapOvr>
+    <a:masterClrMapping/>
+  </p:clrMapOvr>
+</p:sld>
+</file>
+
+<file path=ppt/slides/slide17.xml><?xml version="1.0" encoding="utf-8"?>
+<p:sld xmlns:a="http://schemas.openxmlformats.org/drawingml/2006/main" xmlns:r="http://schemas.openxmlformats.org/officeDocument/2006/relationships" xmlns:p="http://schemas.openxmlformats.org/presentationml/2006/main">
+  <p:cSld>
+    <p:spTree>
+      <p:nvGrpSpPr>
+        <p:cNvPr id="1" name=""/>
+        <p:cNvGrpSpPr/>
+        <p:nvPr/>
+      </p:nvGrpSpPr>
+      <p:grpSpPr>
+        <a:xfrm>
+          <a:off x="0" y="0"/>
+          <a:ext cx="0" cy="0"/>
+          <a:chOff x="0" y="0"/>
+          <a:chExt cx="0" cy="0"/>
+        </a:xfrm>
+      </p:grpSpPr>
+      <p:sp>
+        <p:nvSpPr>
+          <p:cNvPr id="2" name="Título 1">
+            <a:extLst>
+              <a:ext uri="{FF2B5EF4-FFF2-40B4-BE49-F238E27FC236}">
+                <a16:creationId xmlns:a16="http://schemas.microsoft.com/office/drawing/2014/main" id="{0AF0EFA9-E858-4EFD-BF55-454903A527BA}"/>
+              </a:ext>
+            </a:extLst>
+          </p:cNvPr>
+          <p:cNvSpPr>
+            <a:spLocks noGrp="1"/>
+          </p:cNvSpPr>
+          <p:nvPr>
+            <p:ph type="title"/>
+          </p:nvPr>
+        </p:nvSpPr>
+        <p:spPr/>
+        <p:txBody>
+          <a:bodyPr/>
+          <a:lstStyle/>
+          <a:p>
+            <a:pPr algn="ctr"/>
+            <a:r>
+              <a:rPr lang="pt-BR" dirty="0"/>
+              <a:t>   Exemplos de programação </a:t>
+            </a:r>
+          </a:p>
+        </p:txBody>
+      </p:sp>
+    </p:spTree>
+    <p:extLst>
+      <p:ext uri="{BB962C8B-B14F-4D97-AF65-F5344CB8AC3E}">
+        <p14:creationId xmlns:p14="http://schemas.microsoft.com/office/powerpoint/2010/main" val="206795256"/>
+      </p:ext>
+    </p:extLst>
+  </p:cSld>
+  <p:clrMapOvr>
+    <a:masterClrMapping/>
+  </p:clrMapOvr>
+</p:sld>
+</file>
+
+<file path=ppt/slides/slide18.xml><?xml version="1.0" encoding="utf-8"?>
+<p:sld xmlns:a="http://schemas.openxmlformats.org/drawingml/2006/main" xmlns:r="http://schemas.openxmlformats.org/officeDocument/2006/relationships" xmlns:p="http://schemas.openxmlformats.org/presentationml/2006/main">
+  <p:cSld>
+    <p:spTree>
+      <p:nvGrpSpPr>
+        <p:cNvPr id="1" name=""/>
+        <p:cNvGrpSpPr/>
+        <p:nvPr/>
+      </p:nvGrpSpPr>
+      <p:grpSpPr>
+        <a:xfrm>
+          <a:off x="0" y="0"/>
+          <a:ext cx="0" cy="0"/>
+          <a:chOff x="0" y="0"/>
+          <a:chExt cx="0" cy="0"/>
+        </a:xfrm>
+      </p:grpSpPr>
+      <p:sp>
+        <p:nvSpPr>
+          <p:cNvPr id="2" name="Título 1">
+            <a:extLst>
+              <a:ext uri="{FF2B5EF4-FFF2-40B4-BE49-F238E27FC236}">
                 <a16:creationId xmlns:a16="http://schemas.microsoft.com/office/drawing/2014/main" id="{A10E41C5-1F4A-48C8-B56B-0DBB3368448D}"/>
               </a:ext>
             </a:extLst>
@@ -4672,6 +5605,211 @@
     <p:extLst>
       <p:ext uri="{BB962C8B-B14F-4D97-AF65-F5344CB8AC3E}">
         <p14:creationId xmlns:p14="http://schemas.microsoft.com/office/powerpoint/2010/main" val="1979291811"/>
+      </p:ext>
+    </p:extLst>
+  </p:cSld>
+  <p:clrMapOvr>
+    <a:masterClrMapping/>
+  </p:clrMapOvr>
+</p:sld>
+</file>
+
+<file path=ppt/slides/slide19.xml><?xml version="1.0" encoding="utf-8"?>
+<p:sld xmlns:a="http://schemas.openxmlformats.org/drawingml/2006/main" xmlns:r="http://schemas.openxmlformats.org/officeDocument/2006/relationships" xmlns:p="http://schemas.openxmlformats.org/presentationml/2006/main">
+  <p:cSld>
+    <p:spTree>
+      <p:nvGrpSpPr>
+        <p:cNvPr id="1" name=""/>
+        <p:cNvGrpSpPr/>
+        <p:nvPr/>
+      </p:nvGrpSpPr>
+      <p:grpSpPr>
+        <a:xfrm>
+          <a:off x="0" y="0"/>
+          <a:ext cx="0" cy="0"/>
+          <a:chOff x="0" y="0"/>
+          <a:chExt cx="0" cy="0"/>
+        </a:xfrm>
+      </p:grpSpPr>
+      <p:sp>
+        <p:nvSpPr>
+          <p:cNvPr id="2" name="Título 1">
+            <a:extLst>
+              <a:ext uri="{FF2B5EF4-FFF2-40B4-BE49-F238E27FC236}">
+                <a16:creationId xmlns:a16="http://schemas.microsoft.com/office/drawing/2014/main" id="{B9AB10E8-5B90-4C7C-BE20-11253DA512F5}"/>
+              </a:ext>
+            </a:extLst>
+          </p:cNvPr>
+          <p:cNvSpPr>
+            <a:spLocks noGrp="1"/>
+          </p:cNvSpPr>
+          <p:nvPr>
+            <p:ph type="title"/>
+          </p:nvPr>
+        </p:nvSpPr>
+        <p:spPr/>
+        <p:txBody>
+          <a:bodyPr/>
+          <a:lstStyle/>
+          <a:p>
+            <a:r>
+              <a:rPr lang="pt-BR" dirty="0"/>
+              <a:t>Referências bibliográficas</a:t>
+            </a:r>
+          </a:p>
+        </p:txBody>
+      </p:sp>
+      <p:sp>
+        <p:nvSpPr>
+          <p:cNvPr id="3" name="Espaço Reservado para Conteúdo 2">
+            <a:extLst>
+              <a:ext uri="{FF2B5EF4-FFF2-40B4-BE49-F238E27FC236}">
+                <a16:creationId xmlns:a16="http://schemas.microsoft.com/office/drawing/2014/main" id="{3D51F8C9-878A-4560-922D-70F317709670}"/>
+              </a:ext>
+            </a:extLst>
+          </p:cNvPr>
+          <p:cNvSpPr>
+            <a:spLocks noGrp="1"/>
+          </p:cNvSpPr>
+          <p:nvPr>
+            <p:ph idx="1"/>
+          </p:nvPr>
+        </p:nvSpPr>
+        <p:spPr/>
+        <p:txBody>
+          <a:bodyPr>
+            <a:normAutofit fontScale="92500" lnSpcReduction="10000"/>
+          </a:bodyPr>
+          <a:lstStyle/>
+          <a:p>
+            <a:r>
+              <a:rPr lang="pt-BR" dirty="0">
+                <a:hlinkClick r:id="rId2">
+                  <a:extLst>
+                    <a:ext uri="{A12FA001-AC4F-418D-AE19-62706E023703}">
+                      <ahyp:hlinkClr xmlns:ahyp="http://schemas.microsoft.com/office/drawing/2018/hyperlinkcolor" val="tx"/>
+                    </a:ext>
+                  </a:extLst>
+                </a:hlinkClick>
+              </a:rPr>
+              <a:t>http://programadorobjetivo.co/7-problemas-de-estilo-de-codigo-em-javascript/</a:t>
+            </a:r>
+            <a:r>
+              <a:rPr lang="pt-BR" dirty="0"/>
+              <a:t> </a:t>
+            </a:r>
+          </a:p>
+          <a:p>
+            <a:r>
+              <a:rPr lang="pt-BR" dirty="0">
+                <a:hlinkClick r:id="rId3">
+                  <a:extLst>
+                    <a:ext uri="{A12FA001-AC4F-418D-AE19-62706E023703}">
+                      <ahyp:hlinkClr xmlns:ahyp="http://schemas.microsoft.com/office/drawing/2018/hyperlinkcolor" val="tx"/>
+                    </a:ext>
+                  </a:extLst>
+                </a:hlinkClick>
+              </a:rPr>
+              <a:t>https://blog.codeminer42.com/refatorando-para-javascript-funcional-composi%C3%A7%C3%A3o-de-fun%C3%A7%C3%B5es-parte-1-263811e2dfbc</a:t>
+            </a:r>
+            <a:r>
+              <a:rPr lang="pt-BR" dirty="0"/>
+              <a:t> </a:t>
+            </a:r>
+          </a:p>
+          <a:p>
+            <a:r>
+              <a:rPr lang="pt-BR" dirty="0">
+                <a:hlinkClick r:id="rId4">
+                  <a:extLst>
+                    <a:ext uri="{A12FA001-AC4F-418D-AE19-62706E023703}">
+                      <ahyp:hlinkClr xmlns:ahyp="http://schemas.microsoft.com/office/drawing/2018/hyperlinkcolor" val="tx"/>
+                    </a:ext>
+                  </a:extLst>
+                </a:hlinkClick>
+              </a:rPr>
+              <a:t>https://pt.wikipedia.org/wiki/JavaScript</a:t>
+            </a:r>
+            <a:r>
+              <a:rPr lang="pt-BR" dirty="0"/>
+              <a:t> </a:t>
+            </a:r>
+          </a:p>
+          <a:p>
+            <a:r>
+              <a:rPr lang="pt-BR" dirty="0">
+                <a:hlinkClick r:id="rId2">
+                  <a:extLst>
+                    <a:ext uri="{A12FA001-AC4F-418D-AE19-62706E023703}">
+                      <ahyp:hlinkClr xmlns:ahyp="http://schemas.microsoft.com/office/drawing/2018/hyperlinkcolor" val="tx"/>
+                    </a:ext>
+                  </a:extLst>
+                </a:hlinkClick>
+              </a:rPr>
+              <a:t>http://programadorobjetivo.co/7-problemas-de-estilo-de-codigo-em-javascript/</a:t>
+            </a:r>
+            <a:r>
+              <a:rPr lang="pt-BR" dirty="0"/>
+              <a:t> </a:t>
+            </a:r>
+          </a:p>
+          <a:p>
+            <a:r>
+              <a:rPr lang="pt-BR" dirty="0">
+                <a:hlinkClick r:id="rId5">
+                  <a:extLst>
+                    <a:ext uri="{A12FA001-AC4F-418D-AE19-62706E023703}">
+                      <ahyp:hlinkClr xmlns:ahyp="http://schemas.microsoft.com/office/drawing/2018/hyperlinkcolor" val="tx"/>
+                    </a:ext>
+                  </a:extLst>
+                </a:hlinkClick>
+              </a:rPr>
+              <a:t>http://www.raphaelfabeni.com.br/es6-arrow-functions/</a:t>
+            </a:r>
+            <a:endParaRPr lang="pt-BR" dirty="0"/>
+          </a:p>
+          <a:p>
+            <a:r>
+              <a:rPr lang="pt-BR" dirty="0">
+                <a:hlinkClick r:id="rId6">
+                  <a:extLst>
+                    <a:ext uri="{A12FA001-AC4F-418D-AE19-62706E023703}">
+                      <ahyp:hlinkClr xmlns:ahyp="http://schemas.microsoft.com/office/drawing/2018/hyperlinkcolor" val="tx"/>
+                    </a:ext>
+                  </a:extLst>
+                </a:hlinkClick>
+              </a:rPr>
+              <a:t>https://desenvolvimentoparaweb.com/javascript/map-filter-reduce-javascript/</a:t>
+            </a:r>
+            <a:r>
+              <a:rPr lang="pt-BR" dirty="0"/>
+              <a:t> </a:t>
+            </a:r>
+          </a:p>
+          <a:p>
+            <a:r>
+              <a:rPr lang="pt-BR" dirty="0">
+                <a:hlinkClick r:id="rId7">
+                  <a:extLst>
+                    <a:ext uri="{A12FA001-AC4F-418D-AE19-62706E023703}">
+                      <ahyp:hlinkClr xmlns:ahyp="http://schemas.microsoft.com/office/drawing/2018/hyperlinkcolor" val="tx"/>
+                    </a:ext>
+                  </a:extLst>
+                </a:hlinkClick>
+              </a:rPr>
+              <a:t>https://www.cursoemvideo.com/course/curso-de-html5/</a:t>
+            </a:r>
+            <a:r>
+              <a:rPr lang="pt-BR" dirty="0"/>
+              <a:t> </a:t>
+            </a:r>
+          </a:p>
+        </p:txBody>
+      </p:sp>
+    </p:spTree>
+    <p:extLst>
+      <p:ext uri="{BB962C8B-B14F-4D97-AF65-F5344CB8AC3E}">
+        <p14:creationId xmlns:p14="http://schemas.microsoft.com/office/powerpoint/2010/main" val="2229859942"/>
       </p:ext>
     </p:extLst>
   </p:cSld>
@@ -5032,13 +6170,13 @@
           <a:lstStyle/>
           <a:p>
             <a:r>
-              <a:rPr lang="pt-BR" sz="3000" dirty="0"/>
+              <a:rPr lang="pt-BR" sz="3200" dirty="0"/>
               <a:t>1995 - Foi rebatizada para Mocha por Brendan Eich, depois para LiveScript na NetScape.</a:t>
             </a:r>
           </a:p>
           <a:p>
             <a:r>
-              <a:rPr lang="pt-BR" sz="3000" dirty="0"/>
+              <a:rPr lang="pt-BR" sz="3200" dirty="0"/>
               <a:t>Com uma jogada de marketing pela NetScape, após o lançamento do Java pela Sun Microsystems, surgiu então o JavaScript.</a:t>
             </a:r>
           </a:p>
@@ -5082,7 +6220,7 @@
           <p:cNvPr id="2" name="Título 1">
             <a:extLst>
               <a:ext uri="{FF2B5EF4-FFF2-40B4-BE49-F238E27FC236}">
-                <a16:creationId xmlns:a16="http://schemas.microsoft.com/office/drawing/2014/main" id="{4EDB9FFB-EFC4-4615-8B6A-C3C76BD895FE}"/>
+                <a16:creationId xmlns:a16="http://schemas.microsoft.com/office/drawing/2014/main" id="{66A15EB7-9B74-4568-89BB-63137A18E3FB}"/>
               </a:ext>
             </a:extLst>
           </p:cNvPr>
@@ -5100,7 +6238,7 @@
           <a:p>
             <a:r>
               <a:rPr lang="pt-BR" dirty="0"/>
-              <a:t>Visão Geral</a:t>
+              <a:t>História</a:t>
             </a:r>
           </a:p>
         </p:txBody>
@@ -5110,7 +6248,7 @@
           <p:cNvPr id="3" name="Espaço Reservado para Conteúdo 2">
             <a:extLst>
               <a:ext uri="{FF2B5EF4-FFF2-40B4-BE49-F238E27FC236}">
-                <a16:creationId xmlns:a16="http://schemas.microsoft.com/office/drawing/2014/main" id="{9F8D7B0D-A424-4707-82D0-04B49C3B7C43}"/>
+                <a16:creationId xmlns:a16="http://schemas.microsoft.com/office/drawing/2014/main" id="{34D752CF-0689-4B21-8402-71CA628A078B}"/>
               </a:ext>
             </a:extLst>
           </p:cNvPr>
@@ -5124,21 +6262,97 @@
         <p:spPr/>
         <p:txBody>
           <a:bodyPr>
-            <a:noAutofit/>
+            <a:normAutofit/>
           </a:bodyPr>
           <a:lstStyle/>
           <a:p>
             <a:r>
+              <a:rPr lang="pt-BR" sz="3200" dirty="0"/>
+              <a:t>1996 – Microsoft lança seu próprio interpretador para </a:t>
+            </a:r>
+            <a:r>
+              <a:rPr lang="pt-BR" sz="3200" dirty="0" err="1"/>
+              <a:t>JavaScript</a:t>
+            </a:r>
+            <a:r>
+              <a:rPr lang="pt-BR" sz="3200" dirty="0"/>
+              <a:t>: o JScript.</a:t>
+            </a:r>
+          </a:p>
+          <a:p>
+            <a:r>
+              <a:rPr lang="pt-BR" sz="3200" dirty="0"/>
+              <a:t>1997 – A </a:t>
+            </a:r>
+            <a:r>
+              <a:rPr lang="pt-BR" sz="3200" dirty="0" err="1"/>
+              <a:t>NetScape</a:t>
+            </a:r>
+            <a:r>
+              <a:rPr lang="pt-BR" sz="3200" dirty="0"/>
+              <a:t> entra em contato com a ECMA (</a:t>
+            </a:r>
+            <a:r>
+              <a:rPr lang="pt-BR" sz="3000" b="1" dirty="0" err="1"/>
+              <a:t>E</a:t>
+            </a:r>
+            <a:r>
+              <a:rPr lang="pt-BR" sz="3000" dirty="0" err="1"/>
+              <a:t>uropean</a:t>
+            </a:r>
+            <a:r>
               <a:rPr lang="pt-BR" sz="3000" dirty="0"/>
-              <a:t>Javascript é uma linguagem de programação multi-paradigma interpretada.</a:t>
+              <a:t> </a:t>
             </a:r>
             <a:r>
               <a:rPr lang="pt-BR" sz="3000" b="1" dirty="0"/>
-              <a:t> </a:t>
+              <a:t>C</a:t>
             </a:r>
             <a:r>
               <a:rPr lang="pt-BR" sz="3000" dirty="0"/>
-              <a:t>Apesar de hoje ser usada para diversos fins, seu uso mais comum ainda é em navegadores. Um código em Javascript pode estar embutido em documentos HTML e ser interpretado pelo navegador.</a:t>
+              <a:t>omputer </a:t>
+            </a:r>
+            <a:r>
+              <a:rPr lang="pt-BR" sz="3000" b="1" dirty="0" err="1"/>
+              <a:t>M</a:t>
+            </a:r>
+            <a:r>
+              <a:rPr lang="pt-BR" sz="3000" dirty="0" err="1"/>
+              <a:t>anufacturers</a:t>
+            </a:r>
+            <a:r>
+              <a:rPr lang="pt-BR" sz="3000" dirty="0"/>
+              <a:t> </a:t>
+            </a:r>
+            <a:r>
+              <a:rPr lang="pt-BR" sz="3000" b="1" dirty="0" err="1"/>
+              <a:t>A</a:t>
+            </a:r>
+            <a:r>
+              <a:rPr lang="pt-BR" sz="3000" dirty="0" err="1"/>
+              <a:t>ssociation</a:t>
+            </a:r>
+            <a:r>
+              <a:rPr lang="pt-BR" sz="3000" dirty="0"/>
+              <a:t>)</a:t>
+            </a:r>
+            <a:r>
+              <a:rPr lang="pt-BR" sz="3200" dirty="0"/>
+              <a:t>.</a:t>
+            </a:r>
+          </a:p>
+          <a:p>
+            <a:r>
+              <a:rPr lang="pt-BR" sz="3200" dirty="0"/>
+              <a:t>Surge então o </a:t>
+            </a:r>
+            <a:r>
+              <a:rPr lang="pt-BR" sz="3200" dirty="0" err="1"/>
+              <a:t>ECMAScript</a:t>
+            </a:r>
+            <a:r>
+              <a:rPr lang="pt-BR" sz="3200" dirty="0"/>
+              <a:t>.</a:t>
             </a:r>
           </a:p>
         </p:txBody>
@@ -5146,7 +6360,7 @@
     </p:spTree>
     <p:extLst>
       <p:ext uri="{BB962C8B-B14F-4D97-AF65-F5344CB8AC3E}">
-        <p14:creationId xmlns:p14="http://schemas.microsoft.com/office/powerpoint/2010/main" val="4000632874"/>
+        <p14:creationId xmlns:p14="http://schemas.microsoft.com/office/powerpoint/2010/main" val="1117695164"/>
       </p:ext>
     </p:extLst>
   </p:cSld>
@@ -5196,7 +6410,7 @@
           <a:p>
             <a:r>
               <a:rPr lang="pt-BR" dirty="0"/>
-              <a:t>Estrutura básica</a:t>
+              <a:t>Visão Geral</a:t>
             </a:r>
           </a:p>
         </p:txBody>
@@ -5226,7 +6440,7 @@
           <a:p>
             <a:r>
               <a:rPr lang="pt-BR" sz="3000" dirty="0"/>
-              <a:t>Javascript é uma linguagem extremamente</a:t>
+              <a:t>Javascript é uma linguagem de programação multi-paradigma interpretada.</a:t>
             </a:r>
             <a:r>
               <a:rPr lang="pt-BR" sz="3000" b="1" dirty="0"/>
@@ -5234,7 +6448,7 @@
             </a:r>
             <a:r>
               <a:rPr lang="pt-BR" sz="3000" dirty="0"/>
-              <a:t>liberal em relação ao que ela permite. Isso foi feito pensando em facilitar seu aprendizado, mas o que ocorre é o contrário. É normal escrever um código em JS que roda, porém não faz o que foi idealizado.</a:t>
+              <a:t>Apesar de hoje ser usada para diversos fins, seu uso mais comum ainda é em navegadores. Um código em Javascript pode estar embutido em documentos HTML e ser interpretado pelo navegador.</a:t>
             </a:r>
           </a:p>
         </p:txBody>
@@ -5242,7 +6456,7 @@
     </p:spTree>
     <p:extLst>
       <p:ext uri="{BB962C8B-B14F-4D97-AF65-F5344CB8AC3E}">
-        <p14:creationId xmlns:p14="http://schemas.microsoft.com/office/powerpoint/2010/main" val="572977647"/>
+        <p14:creationId xmlns:p14="http://schemas.microsoft.com/office/powerpoint/2010/main" val="4000632874"/>
       </p:ext>
     </p:extLst>
   </p:cSld>
@@ -5271,436 +6485,74 @@
       </p:grpSpPr>
       <p:sp>
         <p:nvSpPr>
-          <p:cNvPr id="2" name="Título 1"/>
-          <p:cNvSpPr>
-            <a:spLocks noGrp="1"/>
-          </p:cNvSpPr>
-          <p:nvPr>
-            <p:ph type="title"/>
-          </p:nvPr>
-        </p:nvSpPr>
-        <p:spPr/>
-        <p:txBody>
-          <a:bodyPr/>
-          <a:lstStyle/>
-          <a:p>
-            <a:r>
-              <a:rPr lang="pt-BR" dirty="0"/>
-              <a:t>Estrutura básica</a:t>
-            </a:r>
-          </a:p>
-        </p:txBody>
-      </p:sp>
-      <p:sp>
-        <p:nvSpPr>
-          <p:cNvPr id="3" name="Espaço Reservado para Conteúdo 2"/>
-          <p:cNvSpPr>
-            <a:spLocks noGrp="1"/>
-          </p:cNvSpPr>
-          <p:nvPr>
-            <p:ph idx="1"/>
-          </p:nvPr>
-        </p:nvSpPr>
-        <p:spPr/>
-        <p:txBody>
-          <a:bodyPr>
-            <a:normAutofit/>
-          </a:bodyPr>
-          <a:lstStyle/>
-          <a:p>
-            <a:r>
-              <a:rPr lang="pt-BR" dirty="0"/>
-              <a:t>Hello World escrito em JavaScript (imperativo)</a:t>
-            </a:r>
-          </a:p>
-          <a:p>
-            <a:endParaRPr lang="pt-BR" dirty="0"/>
-          </a:p>
-        </p:txBody>
-      </p:sp>
-      <p:pic>
-        <p:nvPicPr>
-          <p:cNvPr id="4" name="Imagem 3"/>
-          <p:cNvPicPr>
-            <a:picLocks noChangeAspect="1"/>
-          </p:cNvPicPr>
-          <p:nvPr/>
-        </p:nvPicPr>
-        <p:blipFill>
-          <a:blip r:embed="rId2">
-            <a:extLst>
-              <a:ext uri="{28A0092B-C50C-407E-A947-70E740481C1C}">
-                <a14:useLocalDpi xmlns:a14="http://schemas.microsoft.com/office/drawing/2010/main" val="0"/>
-              </a:ext>
-            </a:extLst>
-          </a:blip>
-          <a:stretch>
-            <a:fillRect/>
-          </a:stretch>
-        </p:blipFill>
-        <p:spPr>
-          <a:xfrm>
-            <a:off x="1430778" y="2524650"/>
-            <a:ext cx="4139924" cy="3508839"/>
-          </a:xfrm>
-          <a:prstGeom prst="rect">
-            <a:avLst/>
-          </a:prstGeom>
-        </p:spPr>
-      </p:pic>
-      <p:sp>
-        <p:nvSpPr>
-          <p:cNvPr id="9" name="CaixaDeTexto 8"/>
-          <p:cNvSpPr txBox="1"/>
-          <p:nvPr/>
-        </p:nvSpPr>
-        <p:spPr>
-          <a:xfrm>
-            <a:off x="4204137" y="2505233"/>
-            <a:ext cx="1261242" cy="461665"/>
-          </a:xfrm>
-          <a:prstGeom prst="rect">
-            <a:avLst/>
-          </a:prstGeom>
-          <a:noFill/>
-        </p:spPr>
-        <p:txBody>
-          <a:bodyPr wrap="square" rtlCol="0">
-            <a:spAutoFit/>
-          </a:bodyPr>
-          <a:lstStyle/>
-          <a:p>
-            <a:r>
-              <a:rPr lang="pt-BR" sz="1200" dirty="0">
-                <a:solidFill>
-                  <a:srgbClr val="FF0000"/>
-                </a:solidFill>
-              </a:rPr>
-              <a:t>abertura da tag HTML</a:t>
-            </a:r>
-          </a:p>
-        </p:txBody>
-      </p:sp>
-      <p:sp>
-        <p:nvSpPr>
-          <p:cNvPr id="12" name="CaixaDeTexto 11"/>
-          <p:cNvSpPr txBox="1"/>
-          <p:nvPr/>
-        </p:nvSpPr>
-        <p:spPr>
-          <a:xfrm>
-            <a:off x="5591503" y="4176528"/>
-            <a:ext cx="1061544" cy="646331"/>
-          </a:xfrm>
-          <a:prstGeom prst="rect">
-            <a:avLst/>
-          </a:prstGeom>
-          <a:noFill/>
-        </p:spPr>
-        <p:txBody>
-          <a:bodyPr wrap="square" rtlCol="0">
-            <a:spAutoFit/>
-          </a:bodyPr>
-          <a:lstStyle/>
-          <a:p>
-            <a:r>
-              <a:rPr lang="pt-BR" sz="1200" dirty="0">
-                <a:solidFill>
-                  <a:srgbClr val="FF0000"/>
-                </a:solidFill>
-              </a:rPr>
-              <a:t>Abertura da tag do </a:t>
-            </a:r>
-            <a:r>
-              <a:rPr lang="pt-BR" sz="1200" dirty="0" err="1">
-                <a:solidFill>
-                  <a:srgbClr val="FF0000"/>
-                </a:solidFill>
-              </a:rPr>
-              <a:t>javascript</a:t>
-            </a:r>
-            <a:endParaRPr lang="pt-BR" sz="1200" dirty="0">
-              <a:solidFill>
-                <a:srgbClr val="FF0000"/>
-              </a:solidFill>
-            </a:endParaRPr>
-          </a:p>
-        </p:txBody>
-      </p:sp>
-      <p:cxnSp>
-        <p:nvCxnSpPr>
-          <p:cNvPr id="16" name="Conector de Seta Reta 15"/>
-          <p:cNvCxnSpPr/>
-          <p:nvPr/>
-        </p:nvCxnSpPr>
-        <p:spPr>
-          <a:xfrm flipH="1" flipV="1">
-            <a:off x="4487917" y="5044966"/>
-            <a:ext cx="630621" cy="63062"/>
-          </a:xfrm>
-          <a:prstGeom prst="straightConnector1">
-            <a:avLst/>
-          </a:prstGeom>
-          <a:ln>
-            <a:tailEnd type="triangle"/>
-          </a:ln>
-        </p:spPr>
-        <p:style>
-          <a:lnRef idx="1">
-            <a:schemeClr val="accent1"/>
-          </a:lnRef>
-          <a:fillRef idx="0">
-            <a:schemeClr val="accent1"/>
-          </a:fillRef>
-          <a:effectRef idx="0">
-            <a:schemeClr val="accent1"/>
-          </a:effectRef>
-          <a:fontRef idx="minor">
-            <a:schemeClr val="tx1"/>
-          </a:fontRef>
-        </p:style>
-      </p:cxnSp>
-      <p:sp>
-        <p:nvSpPr>
-          <p:cNvPr id="17" name="CaixaDeTexto 16"/>
-          <p:cNvSpPr txBox="1"/>
-          <p:nvPr/>
-        </p:nvSpPr>
-        <p:spPr>
-          <a:xfrm>
-            <a:off x="5160140" y="4887443"/>
-            <a:ext cx="1085593" cy="646331"/>
-          </a:xfrm>
-          <a:prstGeom prst="rect">
-            <a:avLst/>
-          </a:prstGeom>
-          <a:noFill/>
-        </p:spPr>
-        <p:txBody>
-          <a:bodyPr wrap="square" rtlCol="0">
-            <a:spAutoFit/>
-          </a:bodyPr>
-          <a:lstStyle/>
-          <a:p>
-            <a:r>
-              <a:rPr lang="pt-BR" sz="1200" dirty="0">
-                <a:solidFill>
-                  <a:srgbClr val="FF0000"/>
-                </a:solidFill>
-              </a:rPr>
-              <a:t>Mostra um alerta escrito “Olá Mundo”</a:t>
-            </a:r>
-          </a:p>
-        </p:txBody>
-      </p:sp>
-      <p:cxnSp>
-        <p:nvCxnSpPr>
-          <p:cNvPr id="19" name="Conector de Seta Reta 18"/>
-          <p:cNvCxnSpPr/>
-          <p:nvPr/>
-        </p:nvCxnSpPr>
-        <p:spPr>
-          <a:xfrm flipH="1">
-            <a:off x="4908331" y="4499693"/>
-            <a:ext cx="557048" cy="198431"/>
-          </a:xfrm>
-          <a:prstGeom prst="straightConnector1">
-            <a:avLst/>
-          </a:prstGeom>
-          <a:ln>
-            <a:tailEnd type="triangle"/>
-          </a:ln>
-        </p:spPr>
-        <p:style>
-          <a:lnRef idx="1">
-            <a:schemeClr val="accent1"/>
-          </a:lnRef>
-          <a:fillRef idx="0">
-            <a:schemeClr val="accent1"/>
-          </a:fillRef>
-          <a:effectRef idx="0">
-            <a:schemeClr val="accent1"/>
-          </a:effectRef>
-          <a:fontRef idx="minor">
-            <a:schemeClr val="tx1"/>
-          </a:fontRef>
-        </p:style>
-      </p:cxnSp>
-      <p:sp>
-        <p:nvSpPr>
-          <p:cNvPr id="24" name="CaixaDeTexto 23"/>
-          <p:cNvSpPr txBox="1"/>
-          <p:nvPr/>
-        </p:nvSpPr>
-        <p:spPr>
-          <a:xfrm>
-            <a:off x="4055699" y="5076497"/>
-            <a:ext cx="822835" cy="646331"/>
-          </a:xfrm>
-          <a:prstGeom prst="rect">
-            <a:avLst/>
-          </a:prstGeom>
-          <a:noFill/>
-        </p:spPr>
-        <p:txBody>
-          <a:bodyPr wrap="square" rtlCol="0">
-            <a:spAutoFit/>
-          </a:bodyPr>
-          <a:lstStyle/>
-          <a:p>
-            <a:r>
-              <a:rPr lang="pt-BR" sz="1200" dirty="0">
-                <a:solidFill>
-                  <a:srgbClr val="FF0000"/>
-                </a:solidFill>
-              </a:rPr>
-              <a:t>Fecha a tag do JavaScript</a:t>
-            </a:r>
-          </a:p>
-        </p:txBody>
-      </p:sp>
-      <p:sp>
-        <p:nvSpPr>
-          <p:cNvPr id="29" name="CaixaDeTexto 28"/>
-          <p:cNvSpPr txBox="1"/>
-          <p:nvPr/>
-        </p:nvSpPr>
-        <p:spPr>
-          <a:xfrm>
-            <a:off x="3277132" y="5684113"/>
-            <a:ext cx="900729" cy="461665"/>
-          </a:xfrm>
-          <a:prstGeom prst="rect">
-            <a:avLst/>
-          </a:prstGeom>
-          <a:noFill/>
-        </p:spPr>
-        <p:txBody>
-          <a:bodyPr wrap="square" rtlCol="0">
-            <a:spAutoFit/>
-          </a:bodyPr>
-          <a:lstStyle/>
-          <a:p>
-            <a:r>
-              <a:rPr lang="pt-BR" sz="1200" dirty="0">
-                <a:solidFill>
-                  <a:srgbClr val="FF0000"/>
-                </a:solidFill>
-              </a:rPr>
-              <a:t>Fecha a tag HTML</a:t>
-            </a:r>
-          </a:p>
-        </p:txBody>
-      </p:sp>
-      <p:cxnSp>
-        <p:nvCxnSpPr>
-          <p:cNvPr id="33" name="Conector de Seta Reta 32"/>
-          <p:cNvCxnSpPr/>
-          <p:nvPr/>
-        </p:nvCxnSpPr>
-        <p:spPr>
-          <a:xfrm flipH="1" flipV="1">
-            <a:off x="3100552" y="5297214"/>
-            <a:ext cx="955147" cy="102448"/>
-          </a:xfrm>
-          <a:prstGeom prst="straightConnector1">
-            <a:avLst/>
-          </a:prstGeom>
-          <a:ln>
-            <a:tailEnd type="triangle"/>
-          </a:ln>
-        </p:spPr>
-        <p:style>
-          <a:lnRef idx="1">
-            <a:schemeClr val="accent1"/>
-          </a:lnRef>
-          <a:fillRef idx="0">
-            <a:schemeClr val="accent1"/>
-          </a:fillRef>
-          <a:effectRef idx="0">
-            <a:schemeClr val="accent1"/>
-          </a:effectRef>
-          <a:fontRef idx="minor">
-            <a:schemeClr val="tx1"/>
-          </a:fontRef>
-        </p:style>
-      </p:cxnSp>
-      <p:cxnSp>
-        <p:nvCxnSpPr>
-          <p:cNvPr id="35" name="Conector de Seta Reta 34"/>
-          <p:cNvCxnSpPr/>
-          <p:nvPr/>
-        </p:nvCxnSpPr>
-        <p:spPr>
-          <a:xfrm flipH="1" flipV="1">
-            <a:off x="2753710" y="5812221"/>
-            <a:ext cx="523422" cy="102724"/>
-          </a:xfrm>
-          <a:prstGeom prst="straightConnector1">
-            <a:avLst/>
-          </a:prstGeom>
-          <a:ln>
-            <a:tailEnd type="triangle"/>
-          </a:ln>
-        </p:spPr>
-        <p:style>
-          <a:lnRef idx="1">
-            <a:schemeClr val="accent1"/>
-          </a:lnRef>
-          <a:fillRef idx="0">
-            <a:schemeClr val="accent1"/>
-          </a:fillRef>
-          <a:effectRef idx="0">
-            <a:schemeClr val="accent1"/>
-          </a:effectRef>
-          <a:fontRef idx="minor">
-            <a:schemeClr val="tx1"/>
-          </a:fontRef>
-        </p:style>
-      </p:cxnSp>
-      <p:cxnSp>
-        <p:nvCxnSpPr>
-          <p:cNvPr id="7" name="Conector de Seta Reta 6">
+          <p:cNvPr id="2" name="Título 1">
             <a:extLst>
               <a:ext uri="{FF2B5EF4-FFF2-40B4-BE49-F238E27FC236}">
-                <a16:creationId xmlns:a16="http://schemas.microsoft.com/office/drawing/2014/main" id="{5D6430F6-5B17-44A5-9A49-C98AD62700D4}"/>
+                <a16:creationId xmlns:a16="http://schemas.microsoft.com/office/drawing/2014/main" id="{4EDB9FFB-EFC4-4615-8B6A-C3C76BD895FE}"/>
               </a:ext>
             </a:extLst>
           </p:cNvPr>
-          <p:cNvCxnSpPr/>
-          <p:nvPr/>
-        </p:nvCxnSpPr>
-        <p:spPr>
-          <a:xfrm flipH="1">
-            <a:off x="3714161" y="2865748"/>
-            <a:ext cx="489976" cy="101150"/>
-          </a:xfrm>
-          <a:prstGeom prst="straightConnector1">
-            <a:avLst/>
-          </a:prstGeom>
-          <a:ln>
-            <a:tailEnd type="triangle"/>
-          </a:ln>
-        </p:spPr>
-        <p:style>
-          <a:lnRef idx="1">
-            <a:schemeClr val="accent1"/>
-          </a:lnRef>
-          <a:fillRef idx="0">
-            <a:schemeClr val="accent1"/>
-          </a:fillRef>
-          <a:effectRef idx="0">
-            <a:schemeClr val="accent1"/>
-          </a:effectRef>
-          <a:fontRef idx="minor">
-            <a:schemeClr val="tx1"/>
-          </a:fontRef>
-        </p:style>
-      </p:cxnSp>
+          <p:cNvSpPr>
+            <a:spLocks noGrp="1"/>
+          </p:cNvSpPr>
+          <p:nvPr>
+            <p:ph type="title"/>
+          </p:nvPr>
+        </p:nvSpPr>
+        <p:spPr/>
+        <p:txBody>
+          <a:bodyPr/>
+          <a:lstStyle/>
+          <a:p>
+            <a:r>
+              <a:rPr lang="pt-BR" dirty="0"/>
+              <a:t>Estrutura básica</a:t>
+            </a:r>
+          </a:p>
+        </p:txBody>
+      </p:sp>
+      <p:sp>
+        <p:nvSpPr>
+          <p:cNvPr id="3" name="Espaço Reservado para Conteúdo 2">
+            <a:extLst>
+              <a:ext uri="{FF2B5EF4-FFF2-40B4-BE49-F238E27FC236}">
+                <a16:creationId xmlns:a16="http://schemas.microsoft.com/office/drawing/2014/main" id="{9F8D7B0D-A424-4707-82D0-04B49C3B7C43}"/>
+              </a:ext>
+            </a:extLst>
+          </p:cNvPr>
+          <p:cNvSpPr>
+            <a:spLocks noGrp="1"/>
+          </p:cNvSpPr>
+          <p:nvPr>
+            <p:ph idx="1"/>
+          </p:nvPr>
+        </p:nvSpPr>
+        <p:spPr/>
+        <p:txBody>
+          <a:bodyPr>
+            <a:noAutofit/>
+          </a:bodyPr>
+          <a:lstStyle/>
+          <a:p>
+            <a:r>
+              <a:rPr lang="pt-BR" sz="3000" dirty="0"/>
+              <a:t>Javascript é uma linguagem extremamente</a:t>
+            </a:r>
+            <a:r>
+              <a:rPr lang="pt-BR" sz="3000" b="1" dirty="0"/>
+              <a:t> </a:t>
+            </a:r>
+            <a:r>
+              <a:rPr lang="pt-BR" sz="3000" dirty="0"/>
+              <a:t>liberal em relação ao que ela permite. Isso foi feito pensando em facilitar seu aprendizado, mas o que ocorre é o contrário. É normal escrever um código em JS que roda, porém não faz o que foi idealizado.</a:t>
+            </a:r>
+          </a:p>
+        </p:txBody>
+      </p:sp>
     </p:spTree>
     <p:extLst>
       <p:ext uri="{BB962C8B-B14F-4D97-AF65-F5344CB8AC3E}">
-        <p14:creationId xmlns:p14="http://schemas.microsoft.com/office/powerpoint/2010/main" val="539012486"/>
+        <p14:creationId xmlns:p14="http://schemas.microsoft.com/office/powerpoint/2010/main" val="572977647"/>
       </p:ext>
     </p:extLst>
   </p:cSld>
@@ -5729,7 +6581,13 @@
       </p:grpSpPr>
       <p:sp>
         <p:nvSpPr>
-          <p:cNvPr id="2" name="Título 1"/>
+          <p:cNvPr id="2" name="Título 1">
+            <a:extLst>
+              <a:ext uri="{FF2B5EF4-FFF2-40B4-BE49-F238E27FC236}">
+                <a16:creationId xmlns:a16="http://schemas.microsoft.com/office/drawing/2014/main" id="{08790A6B-9B1B-4416-AA5A-0A9156EDD58F}"/>
+              </a:ext>
+            </a:extLst>
+          </p:cNvPr>
           <p:cNvSpPr>
             <a:spLocks noGrp="1"/>
           </p:cNvSpPr>
@@ -5744,129 +6602,99 @@
           <a:p>
             <a:r>
               <a:rPr lang="pt-BR" dirty="0"/>
-              <a:t>JavaScript imperativo</a:t>
-            </a:r>
-          </a:p>
-        </p:txBody>
-      </p:sp>
-      <p:sp>
-        <p:nvSpPr>
-          <p:cNvPr id="3" name="Espaço Reservado para Conteúdo 2"/>
-          <p:cNvSpPr>
-            <a:spLocks noGrp="1"/>
-          </p:cNvSpPr>
-          <p:nvPr>
-            <p:ph idx="1"/>
-          </p:nvPr>
-        </p:nvSpPr>
-        <p:spPr/>
-        <p:txBody>
-          <a:bodyPr>
-            <a:normAutofit/>
+              <a:t>  Estrutura básica</a:t>
+            </a:r>
+          </a:p>
+        </p:txBody>
+      </p:sp>
+      <p:pic>
+        <p:nvPicPr>
+          <p:cNvPr id="5" name="Imagem 4">
+            <a:extLst>
+              <a:ext uri="{FF2B5EF4-FFF2-40B4-BE49-F238E27FC236}">
+                <a16:creationId xmlns:a16="http://schemas.microsoft.com/office/drawing/2014/main" id="{BF75563D-E9C8-4009-9CB4-C9BCE066E8E1}"/>
+              </a:ext>
+            </a:extLst>
+          </p:cNvPr>
+          <p:cNvPicPr>
+            <a:picLocks noChangeAspect="1"/>
+          </p:cNvPicPr>
+          <p:nvPr/>
+        </p:nvPicPr>
+        <p:blipFill>
+          <a:blip r:embed="rId2">
+            <a:extLst>
+              <a:ext uri="{28A0092B-C50C-407E-A947-70E740481C1C}">
+                <a14:useLocalDpi xmlns:a14="http://schemas.microsoft.com/office/drawing/2010/main" val="0"/>
+              </a:ext>
+            </a:extLst>
+          </a:blip>
+          <a:stretch>
+            <a:fillRect/>
+          </a:stretch>
+        </p:blipFill>
+        <p:spPr>
+          <a:xfrm>
+            <a:off x="5041800" y="710494"/>
+            <a:ext cx="5705529" cy="4835785"/>
+          </a:xfrm>
+          <a:prstGeom prst="rect">
+            <a:avLst/>
+          </a:prstGeom>
+        </p:spPr>
+      </p:pic>
+      <p:sp>
+        <p:nvSpPr>
+          <p:cNvPr id="6" name="CaixaDeTexto 5">
+            <a:extLst>
+              <a:ext uri="{FF2B5EF4-FFF2-40B4-BE49-F238E27FC236}">
+                <a16:creationId xmlns:a16="http://schemas.microsoft.com/office/drawing/2014/main" id="{0C6210D0-9824-4948-B492-5CB49FBCB7E4}"/>
+              </a:ext>
+            </a:extLst>
+          </p:cNvPr>
+          <p:cNvSpPr txBox="1"/>
+          <p:nvPr/>
+        </p:nvSpPr>
+        <p:spPr>
+          <a:xfrm>
+            <a:off x="6325385" y="5546279"/>
+            <a:ext cx="3563332" cy="369332"/>
+          </a:xfrm>
+          <a:prstGeom prst="rect">
+            <a:avLst/>
+          </a:prstGeom>
+          <a:noFill/>
+        </p:spPr>
+        <p:txBody>
+          <a:bodyPr wrap="square" rtlCol="0">
+            <a:spAutoFit/>
           </a:bodyPr>
           <a:lstStyle/>
           <a:p>
-            <a:pPr marL="457200" lvl="0" indent="-457200"/>
-            <a:r>
-              <a:rPr lang="pt-BR" altLang="pt-BR" sz="3000" dirty="0">
-                <a:solidFill>
-                  <a:srgbClr val="222222"/>
-                </a:solidFill>
-                <a:cs typeface="Arial" panose="020B0604020202020204" pitchFamily="34" charset="0"/>
-              </a:rPr>
-              <a:t>JavaScript é C-like (baseado em C). Suporta os elementos de </a:t>
-            </a:r>
-            <a:r>
-              <a:rPr lang="pt-BR" altLang="pt-BR" sz="3000" dirty="0">
-                <a:cs typeface="Arial" panose="020B0604020202020204" pitchFamily="34" charset="0"/>
-              </a:rPr>
-              <a:t>sintaxe</a:t>
-            </a:r>
-            <a:r>
-              <a:rPr lang="pt-BR" altLang="pt-BR" sz="3000" dirty="0">
-                <a:solidFill>
-                  <a:srgbClr val="222222"/>
-                </a:solidFill>
-                <a:cs typeface="Arial" panose="020B0604020202020204" pitchFamily="34" charset="0"/>
-              </a:rPr>
-              <a:t> de programação estruturada da linguagem C (por exemplo: </a:t>
-            </a:r>
-            <a:r>
-              <a:rPr lang="pt-BR" altLang="pt-BR" sz="3000" dirty="0">
-                <a:solidFill>
-                  <a:srgbClr val="000000"/>
-                </a:solidFill>
-                <a:cs typeface="Arial" panose="020B0604020202020204" pitchFamily="34" charset="0"/>
-              </a:rPr>
-              <a:t>if</a:t>
-            </a:r>
-            <a:r>
-              <a:rPr lang="pt-BR" altLang="pt-BR" sz="3000" dirty="0">
-                <a:solidFill>
-                  <a:srgbClr val="222222"/>
-                </a:solidFill>
-                <a:cs typeface="Arial" panose="020B0604020202020204" pitchFamily="34" charset="0"/>
-              </a:rPr>
-              <a:t>, </a:t>
-            </a:r>
-            <a:r>
-              <a:rPr lang="pt-BR" altLang="pt-BR" sz="3000" dirty="0">
-                <a:solidFill>
-                  <a:srgbClr val="000000"/>
-                </a:solidFill>
-                <a:cs typeface="Arial" panose="020B0604020202020204" pitchFamily="34" charset="0"/>
-              </a:rPr>
-              <a:t>while</a:t>
-            </a:r>
-            <a:r>
-              <a:rPr lang="pt-BR" altLang="pt-BR" sz="3000" dirty="0">
-                <a:solidFill>
-                  <a:srgbClr val="222222"/>
-                </a:solidFill>
-                <a:cs typeface="Arial" panose="020B0604020202020204" pitchFamily="34" charset="0"/>
-              </a:rPr>
-              <a:t>, </a:t>
-            </a:r>
-            <a:r>
-              <a:rPr lang="pt-BR" altLang="pt-BR" sz="3000" dirty="0">
-                <a:solidFill>
-                  <a:srgbClr val="000000"/>
-                </a:solidFill>
-                <a:cs typeface="Arial" panose="020B0604020202020204" pitchFamily="34" charset="0"/>
-              </a:rPr>
-              <a:t>switch</a:t>
-            </a:r>
-            <a:r>
-              <a:rPr lang="pt-BR" altLang="pt-BR" sz="3000" dirty="0">
-                <a:solidFill>
-                  <a:srgbClr val="222222"/>
-                </a:solidFill>
-                <a:cs typeface="Arial" panose="020B0604020202020204" pitchFamily="34" charset="0"/>
-              </a:rPr>
-              <a:t>.)</a:t>
-            </a:r>
-            <a:r>
-              <a:rPr lang="pt-BR" altLang="pt-BR" sz="3000" dirty="0">
-                <a:cs typeface="Arial" panose="020B0604020202020204" pitchFamily="34" charset="0"/>
-              </a:rPr>
-              <a:t> </a:t>
-            </a:r>
-          </a:p>
-          <a:p>
-            <a:pPr marL="457200" lvl="0" indent="-457200"/>
-            <a:r>
-              <a:rPr lang="pt-BR" altLang="pt-BR" sz="3000" dirty="0">
-                <a:cs typeface="Arial" panose="020B0604020202020204" pitchFamily="34" charset="0"/>
-              </a:rPr>
-              <a:t>Fracamente tipada (As variáveis aceitam todo tipo de dados).</a:t>
-            </a:r>
+            <a:r>
+              <a:rPr lang="pt-BR" dirty="0"/>
+              <a:t>Alerta “</a:t>
+            </a:r>
+            <a:r>
+              <a:rPr lang="pt-BR" dirty="0" err="1"/>
+              <a:t>Hello</a:t>
+            </a:r>
+            <a:r>
+              <a:rPr lang="pt-BR" dirty="0"/>
+              <a:t> World” em </a:t>
+            </a:r>
+            <a:r>
+              <a:rPr lang="pt-BR" dirty="0" err="1"/>
+              <a:t>JavaScript</a:t>
+            </a:r>
+            <a:endParaRPr lang="pt-BR" dirty="0"/>
           </a:p>
         </p:txBody>
       </p:sp>
     </p:spTree>
     <p:extLst>
       <p:ext uri="{BB962C8B-B14F-4D97-AF65-F5344CB8AC3E}">
-        <p14:creationId xmlns:p14="http://schemas.microsoft.com/office/powerpoint/2010/main" val="4083870545"/>
+        <p14:creationId xmlns:p14="http://schemas.microsoft.com/office/powerpoint/2010/main" val="1995511251"/>
       </p:ext>
     </p:extLst>
   </p:cSld>
@@ -5910,7 +6738,7 @@
           <a:p>
             <a:r>
               <a:rPr lang="pt-BR" dirty="0"/>
-              <a:t>Javascript imperativo</a:t>
+              <a:t>JavaScript imperativo</a:t>
             </a:r>
           </a:p>
         </p:txBody>
@@ -5932,25 +6760,99 @@
           </a:bodyPr>
           <a:lstStyle/>
           <a:p>
-            <a:r>
-              <a:rPr lang="pt-BR" sz="3000" dirty="0"/>
-              <a:t>Programação Estruturada</a:t>
-            </a:r>
-          </a:p>
-          <a:p>
-            <a:r>
-              <a:rPr lang="pt-BR" sz="3000" dirty="0"/>
-              <a:t>Programação baseada em objetos </a:t>
-            </a:r>
-            <a:r>
-              <a:rPr lang="pt-BR" sz="3000" dirty="0">
-                <a:sym typeface="Wingdings" panose="05000000000000000000" pitchFamily="2" charset="2"/>
+            <a:pPr marL="457200" lvl="0" indent="-457200"/>
+            <a:r>
+              <a:rPr lang="pt-BR" altLang="pt-BR" sz="3000" dirty="0">
+                <a:solidFill>
+                  <a:srgbClr val="222222"/>
+                </a:solidFill>
+                <a:cs typeface="Arial" panose="020B0604020202020204" pitchFamily="34" charset="0"/>
               </a:rPr>
-              <a:t>(</a:t>
-            </a:r>
-            <a:r>
-              <a:rPr lang="pt-BR" sz="3000" dirty="0"/>
-              <a:t>A linguagem suporta o conceito de objetos, porém não suporta classes). </a:t>
+              <a:t>JavaScript é C-like (baseado em C). Suporta os elementos de </a:t>
+            </a:r>
+            <a:r>
+              <a:rPr lang="pt-BR" altLang="pt-BR" sz="3000" dirty="0">
+                <a:cs typeface="Arial" panose="020B0604020202020204" pitchFamily="34" charset="0"/>
+              </a:rPr>
+              <a:t>sintaxe</a:t>
+            </a:r>
+            <a:r>
+              <a:rPr lang="pt-BR" altLang="pt-BR" sz="3000" dirty="0">
+                <a:solidFill>
+                  <a:srgbClr val="222222"/>
+                </a:solidFill>
+                <a:cs typeface="Arial" panose="020B0604020202020204" pitchFamily="34" charset="0"/>
+              </a:rPr>
+              <a:t> de programação estruturada da linguagem C (por exemplo: </a:t>
+            </a:r>
+            <a:r>
+              <a:rPr lang="pt-BR" altLang="pt-BR" sz="3000" dirty="0">
+                <a:solidFill>
+                  <a:srgbClr val="000000"/>
+                </a:solidFill>
+                <a:cs typeface="Arial" panose="020B0604020202020204" pitchFamily="34" charset="0"/>
+              </a:rPr>
+              <a:t>if</a:t>
+            </a:r>
+            <a:r>
+              <a:rPr lang="pt-BR" altLang="pt-BR" sz="3000" dirty="0">
+                <a:solidFill>
+                  <a:srgbClr val="222222"/>
+                </a:solidFill>
+                <a:cs typeface="Arial" panose="020B0604020202020204" pitchFamily="34" charset="0"/>
+              </a:rPr>
+              <a:t>, </a:t>
+            </a:r>
+            <a:r>
+              <a:rPr lang="pt-BR" altLang="pt-BR" sz="3000" dirty="0">
+                <a:solidFill>
+                  <a:srgbClr val="000000"/>
+                </a:solidFill>
+                <a:cs typeface="Arial" panose="020B0604020202020204" pitchFamily="34" charset="0"/>
+              </a:rPr>
+              <a:t>while</a:t>
+            </a:r>
+            <a:r>
+              <a:rPr lang="pt-BR" altLang="pt-BR" sz="3000" dirty="0">
+                <a:solidFill>
+                  <a:srgbClr val="222222"/>
+                </a:solidFill>
+                <a:cs typeface="Arial" panose="020B0604020202020204" pitchFamily="34" charset="0"/>
+              </a:rPr>
+              <a:t>, </a:t>
+            </a:r>
+            <a:r>
+              <a:rPr lang="pt-BR" altLang="pt-BR" sz="3000" dirty="0">
+                <a:solidFill>
+                  <a:srgbClr val="000000"/>
+                </a:solidFill>
+                <a:cs typeface="Arial" panose="020B0604020202020204" pitchFamily="34" charset="0"/>
+              </a:rPr>
+              <a:t>switch</a:t>
+            </a:r>
+            <a:r>
+              <a:rPr lang="pt-BR" altLang="pt-BR" sz="3000" dirty="0">
+                <a:solidFill>
+                  <a:srgbClr val="222222"/>
+                </a:solidFill>
+                <a:cs typeface="Arial" panose="020B0604020202020204" pitchFamily="34" charset="0"/>
+              </a:rPr>
+              <a:t>.)</a:t>
+            </a:r>
+            <a:r>
+              <a:rPr lang="pt-BR" altLang="pt-BR" sz="3000" dirty="0">
+                <a:cs typeface="Arial" panose="020B0604020202020204" pitchFamily="34" charset="0"/>
+              </a:rPr>
+              <a:t> </a:t>
+            </a:r>
+          </a:p>
+          <a:p>
+            <a:pPr marL="457200" lvl="0" indent="-457200"/>
+            <a:r>
+              <a:rPr lang="pt-BR" altLang="pt-BR" sz="3000" dirty="0">
+                <a:cs typeface="Arial" panose="020B0604020202020204" pitchFamily="34" charset="0"/>
+              </a:rPr>
+              <a:t>Fracamente tipada (As variáveis aceitam todo tipo de dados).</a:t>
             </a:r>
           </a:p>
         </p:txBody>
@@ -5958,7 +6860,7 @@
     </p:spTree>
     <p:extLst>
       <p:ext uri="{BB962C8B-B14F-4D97-AF65-F5344CB8AC3E}">
-        <p14:creationId xmlns:p14="http://schemas.microsoft.com/office/powerpoint/2010/main" val="2142476656"/>
+        <p14:creationId xmlns:p14="http://schemas.microsoft.com/office/powerpoint/2010/main" val="4083870545"/>
       </p:ext>
     </p:extLst>
   </p:cSld>
